--- a/ppt/premature ppt.pptx
+++ b/ppt/premature ppt.pptx
@@ -5,7 +5,7 @@
     <p:sldMasterId id="2147483648" r:id="rId1"/>
   </p:sldMasterIdLst>
   <p:notesMasterIdLst>
-    <p:notesMasterId r:id="rId11"/>
+    <p:notesMasterId r:id="rId17"/>
   </p:notesMasterIdLst>
   <p:sldIdLst>
     <p:sldId id="256" r:id="rId2"/>
@@ -17,6 +17,12 @@
     <p:sldId id="262" r:id="rId8"/>
     <p:sldId id="263" r:id="rId9"/>
     <p:sldId id="264" r:id="rId10"/>
+    <p:sldId id="265" r:id="rId11"/>
+    <p:sldId id="266" r:id="rId12"/>
+    <p:sldId id="267" r:id="rId13"/>
+    <p:sldId id="268" r:id="rId14"/>
+    <p:sldId id="269" r:id="rId15"/>
+    <p:sldId id="270" r:id="rId16"/>
   </p:sldIdLst>
   <p:sldSz cx="9144000" cy="6858000" type="screen4x3"/>
   <p:notesSz cx="6858000" cy="9144000"/>
@@ -200,7 +206,7 @@
           <a:p>
             <a:fld id="{27EAA7B7-9729-4998-A735-980F4A67C550}" type="datetimeFigureOut">
               <a:rPr lang="da-DK" smtClean="0"/>
-              <a:t>12-06-2017</a:t>
+              <a:t>13-06-2017</a:t>
             </a:fld>
             <a:endParaRPr lang="da-DK"/>
           </a:p>
@@ -632,7 +638,7 @@
           <a:p>
             <a:fld id="{9E7A4F2D-3E4C-4B5D-BE90-617E350CBCB0}" type="datetime1">
               <a:rPr lang="en-US" smtClean="0"/>
-              <a:t>6/12/2017</a:t>
+              <a:t>6/13/2017</a:t>
             </a:fld>
             <a:endParaRPr lang="da-DK"/>
           </a:p>
@@ -1084,7 +1090,7 @@
           <a:p>
             <a:fld id="{59811876-57C1-4E57-B3D5-811D4A7749BD}" type="datetime1">
               <a:rPr lang="en-US" smtClean="0"/>
-              <a:t>6/12/2017</a:t>
+              <a:t>6/13/2017</a:t>
             </a:fld>
             <a:endParaRPr lang="da-DK"/>
           </a:p>
@@ -1259,7 +1265,7 @@
           <a:p>
             <a:fld id="{A027A2E2-4A97-4510-BCDE-7B7FE2925400}" type="datetime1">
               <a:rPr lang="en-US" smtClean="0"/>
-              <a:t>6/12/2017</a:t>
+              <a:t>6/13/2017</a:t>
             </a:fld>
             <a:endParaRPr lang="da-DK"/>
           </a:p>
@@ -1526,7 +1532,7 @@
           <a:p>
             <a:fld id="{48E127FB-E98B-4846-B79F-E8A32E28DB0F}" type="datetime1">
               <a:rPr lang="en-US" smtClean="0"/>
-              <a:t>6/12/2017</a:t>
+              <a:t>6/13/2017</a:t>
             </a:fld>
             <a:endParaRPr lang="da-DK"/>
           </a:p>
@@ -1742,7 +1748,7 @@
           <a:p>
             <a:fld id="{04595749-9A07-4D32-9BA1-70B5CAE1178C}" type="datetime1">
               <a:rPr lang="en-US" smtClean="0"/>
-              <a:t>6/12/2017</a:t>
+              <a:t>6/13/2017</a:t>
             </a:fld>
             <a:endParaRPr lang="da-DK"/>
           </a:p>
@@ -1858,7 +1864,7 @@
           <a:p>
             <a:fld id="{2036BE53-6C39-4C63-9F8D-3493893D403B}" type="datetime1">
               <a:rPr lang="en-US" smtClean="0"/>
-              <a:t>6/12/2017</a:t>
+              <a:t>6/13/2017</a:t>
             </a:fld>
             <a:endParaRPr lang="da-DK"/>
           </a:p>
@@ -2117,7 +2123,7 @@
           <a:p>
             <a:fld id="{0775C8BB-F69C-41F0-97E2-212D172D3B53}" type="datetime1">
               <a:rPr lang="en-US" smtClean="0"/>
-              <a:t>6/12/2017</a:t>
+              <a:t>6/13/2017</a:t>
             </a:fld>
             <a:endParaRPr lang="da-DK" dirty="0"/>
           </a:p>
@@ -2456,7 +2462,7 @@
           <a:p>
             <a:fld id="{E70A62B0-E7E2-4CF5-913E-3C1EE37363B7}" type="datetime1">
               <a:rPr lang="en-US" smtClean="0"/>
-              <a:t>6/12/2017</a:t>
+              <a:t>6/13/2017</a:t>
             </a:fld>
             <a:endParaRPr lang="da-DK"/>
           </a:p>
@@ -2577,7 +2583,7 @@
           <a:p>
             <a:fld id="{8E2A3FD1-DFEE-478F-8764-EA4A12E6E420}" type="datetime1">
               <a:rPr lang="en-US" smtClean="0"/>
-              <a:t>6/12/2017</a:t>
+              <a:t>6/13/2017</a:t>
             </a:fld>
             <a:endParaRPr lang="da-DK"/>
           </a:p>
@@ -3032,7 +3038,7 @@
           <a:p>
             <a:fld id="{87613CBE-7DAD-4AD6-A447-AE25CEF4DF49}" type="datetime1">
               <a:rPr lang="en-US" smtClean="0"/>
-              <a:t>6/12/2017</a:t>
+              <a:t>6/13/2017</a:t>
             </a:fld>
             <a:endParaRPr lang="da-DK"/>
           </a:p>
@@ -3409,7 +3415,7 @@
           <a:p>
             <a:fld id="{D0C2A6F4-40AE-463F-85E5-665BB46F1CBB}" type="datetime1">
               <a:rPr lang="en-US" smtClean="0"/>
-              <a:t>6/12/2017</a:t>
+              <a:t>6/13/2017</a:t>
             </a:fld>
             <a:endParaRPr lang="da-DK"/>
           </a:p>
@@ -3495,7 +3501,7 @@
           <a:p>
             <a:fld id="{9D8E1AC8-7F67-46F6-B557-46F7F820EB38}" type="datetime1">
               <a:rPr lang="en-US" smtClean="0"/>
-              <a:t>6/12/2017</a:t>
+              <a:t>6/13/2017</a:t>
             </a:fld>
             <a:endParaRPr lang="da-DK"/>
           </a:p>
@@ -3699,7 +3705,7 @@
           <a:p>
             <a:fld id="{794A86D9-E5D1-499F-92A5-9D5B7169092D}" type="datetime1">
               <a:rPr lang="en-US" smtClean="0"/>
-              <a:t>6/12/2017</a:t>
+              <a:t>6/13/2017</a:t>
             </a:fld>
             <a:endParaRPr lang="da-DK"/>
           </a:p>
@@ -4033,7 +4039,7 @@
           <a:p>
             <a:fld id="{A355CBA8-7D2E-46F8-A8E5-BD7BACFEDE84}" type="datetime1">
               <a:rPr lang="en-US" smtClean="0"/>
-              <a:t>6/12/2017</a:t>
+              <a:t>6/13/2017</a:t>
             </a:fld>
             <a:endParaRPr lang="da-DK" dirty="0"/>
           </a:p>
@@ -4574,6 +4580,730 @@
 </p:sld>
 </file>
 
+<file path=ppt/slides/slide10.xml><?xml version="1.0" encoding="utf-8"?>
+<p:sld xmlns:a="http://schemas.openxmlformats.org/drawingml/2006/main" xmlns:r="http://schemas.openxmlformats.org/officeDocument/2006/relationships" xmlns:p="http://schemas.openxmlformats.org/presentationml/2006/main">
+  <p:cSld>
+    <p:spTree>
+      <p:nvGrpSpPr>
+        <p:cNvPr id="1" name=""/>
+        <p:cNvGrpSpPr/>
+        <p:nvPr/>
+      </p:nvGrpSpPr>
+      <p:grpSpPr>
+        <a:xfrm>
+          <a:off x="0" y="0"/>
+          <a:ext cx="0" cy="0"/>
+          <a:chOff x="0" y="0"/>
+          <a:chExt cx="0" cy="0"/>
+        </a:xfrm>
+      </p:grpSpPr>
+      <p:sp>
+        <p:nvSpPr>
+          <p:cNvPr id="2" name="Title 1"/>
+          <p:cNvSpPr>
+            <a:spLocks noGrp="1"/>
+          </p:cNvSpPr>
+          <p:nvPr>
+            <p:ph type="title"/>
+          </p:nvPr>
+        </p:nvSpPr>
+        <p:spPr/>
+        <p:txBody>
+          <a:bodyPr/>
+          <a:lstStyle/>
+          <a:p>
+            <a:pPr algn="ctr"/>
+            <a:r>
+              <a:rPr lang="en-US" dirty="0" smtClean="0"/>
+              <a:t>Space Correlation Function</a:t>
+            </a:r>
+            <a:endParaRPr lang="el-GR" dirty="0"/>
+          </a:p>
+        </p:txBody>
+      </p:sp>
+      <p:sp>
+        <p:nvSpPr>
+          <p:cNvPr id="3" name="Content Placeholder 2"/>
+          <p:cNvSpPr>
+            <a:spLocks noGrp="1"/>
+          </p:cNvSpPr>
+          <p:nvPr>
+            <p:ph idx="1"/>
+          </p:nvPr>
+        </p:nvSpPr>
+        <p:spPr/>
+        <p:txBody>
+          <a:bodyPr/>
+          <a:lstStyle/>
+          <a:p>
+            <a:r>
+              <a:rPr lang="en-US" dirty="0" smtClean="0"/>
+              <a:t>FFT of </a:t>
+            </a:r>
+            <a:r>
+              <a:rPr lang="en-US" dirty="0"/>
+              <a:t>D</a:t>
+            </a:r>
+            <a:r>
+              <a:rPr lang="en-US" dirty="0" smtClean="0"/>
+              <a:t>oppler spectrum</a:t>
+            </a:r>
+          </a:p>
+          <a:p>
+            <a:r>
+              <a:rPr lang="en-US" dirty="0" smtClean="0"/>
+              <a:t>Assuming Rayleigh and Jakes bathtub.</a:t>
+            </a:r>
+          </a:p>
+          <a:p>
+            <a:pPr lvl="1">
+              <a:buFont typeface="Wingdings" pitchFamily="2" charset="2"/>
+              <a:buChar char="Ø"/>
+            </a:pPr>
+            <a:r>
+              <a:rPr lang="en-US" dirty="0" smtClean="0"/>
+              <a:t>Zero order </a:t>
+            </a:r>
+            <a:r>
+              <a:rPr lang="en-US" dirty="0" err="1" smtClean="0"/>
+              <a:t>bessel</a:t>
+            </a:r>
+            <a:r>
+              <a:rPr lang="en-US" dirty="0" smtClean="0"/>
+              <a:t> function</a:t>
+            </a:r>
+          </a:p>
+          <a:p>
+            <a:r>
+              <a:rPr lang="en-US" dirty="0" smtClean="0"/>
+              <a:t>(insert </a:t>
+            </a:r>
+            <a:r>
+              <a:rPr lang="en-US" dirty="0" err="1" smtClean="0"/>
+              <a:t>bessel</a:t>
+            </a:r>
+            <a:r>
+              <a:rPr lang="en-US" dirty="0" smtClean="0"/>
+              <a:t> function </a:t>
+            </a:r>
+            <a:r>
+              <a:rPr lang="en-US" dirty="0" err="1" smtClean="0"/>
+              <a:t>vs</a:t>
+            </a:r>
+            <a:r>
+              <a:rPr lang="en-US" dirty="0" smtClean="0"/>
+              <a:t> wavelength picture)</a:t>
+            </a:r>
+          </a:p>
+          <a:p>
+            <a:r>
+              <a:rPr lang="en-US" dirty="0" smtClean="0"/>
+              <a:t>Uncorrelated samples 0.38</a:t>
+            </a:r>
+            <a:r>
+              <a:rPr lang="el-GR" dirty="0" smtClean="0"/>
+              <a:t>λ</a:t>
+            </a:r>
+            <a:r>
+              <a:rPr lang="en-US" dirty="0" smtClean="0"/>
+              <a:t> </a:t>
+            </a:r>
+          </a:p>
+          <a:p>
+            <a:endParaRPr lang="el-GR" dirty="0"/>
+          </a:p>
+        </p:txBody>
+      </p:sp>
+    </p:spTree>
+    <p:extLst>
+      <p:ext uri="{BB962C8B-B14F-4D97-AF65-F5344CB8AC3E}">
+        <p14:creationId xmlns:p14="http://schemas.microsoft.com/office/powerpoint/2010/main" val="2406046620"/>
+      </p:ext>
+    </p:extLst>
+  </p:cSld>
+  <p:clrMapOvr>
+    <a:masterClrMapping/>
+  </p:clrMapOvr>
+  <p:transition>
+    <p:fade/>
+  </p:transition>
+</p:sld>
+</file>
+
+<file path=ppt/slides/slide11.xml><?xml version="1.0" encoding="utf-8"?>
+<p:sld xmlns:a="http://schemas.openxmlformats.org/drawingml/2006/main" xmlns:r="http://schemas.openxmlformats.org/officeDocument/2006/relationships" xmlns:p="http://schemas.openxmlformats.org/presentationml/2006/main">
+  <p:cSld>
+    <p:spTree>
+      <p:nvGrpSpPr>
+        <p:cNvPr id="1" name=""/>
+        <p:cNvGrpSpPr/>
+        <p:nvPr/>
+      </p:nvGrpSpPr>
+      <p:grpSpPr>
+        <a:xfrm>
+          <a:off x="0" y="0"/>
+          <a:ext cx="0" cy="0"/>
+          <a:chOff x="0" y="0"/>
+          <a:chExt cx="0" cy="0"/>
+        </a:xfrm>
+      </p:grpSpPr>
+      <p:sp>
+        <p:nvSpPr>
+          <p:cNvPr id="2" name="Title 1"/>
+          <p:cNvSpPr>
+            <a:spLocks noGrp="1"/>
+          </p:cNvSpPr>
+          <p:nvPr>
+            <p:ph type="title"/>
+          </p:nvPr>
+        </p:nvSpPr>
+        <p:spPr/>
+        <p:txBody>
+          <a:bodyPr/>
+          <a:lstStyle/>
+          <a:p>
+            <a:pPr algn="ctr"/>
+            <a:r>
+              <a:rPr lang="en-US" dirty="0" smtClean="0"/>
+              <a:t>Frequency Correlation Function</a:t>
+            </a:r>
+            <a:endParaRPr lang="el-GR" dirty="0"/>
+          </a:p>
+        </p:txBody>
+      </p:sp>
+      <p:sp>
+        <p:nvSpPr>
+          <p:cNvPr id="3" name="Content Placeholder 2"/>
+          <p:cNvSpPr>
+            <a:spLocks noGrp="1"/>
+          </p:cNvSpPr>
+          <p:nvPr>
+            <p:ph idx="1"/>
+          </p:nvPr>
+        </p:nvSpPr>
+        <p:spPr/>
+        <p:txBody>
+          <a:bodyPr/>
+          <a:lstStyle/>
+          <a:p>
+            <a:r>
+              <a:rPr lang="en-US" dirty="0" smtClean="0"/>
+              <a:t>FFT of Power Delay Profile(PDP)</a:t>
+            </a:r>
+          </a:p>
+          <a:p>
+            <a:r>
+              <a:rPr lang="en-US" dirty="0" smtClean="0"/>
+              <a:t>Assuming exponential decay PDP</a:t>
+            </a:r>
+          </a:p>
+          <a:p>
+            <a:r>
+              <a:rPr lang="en-US" dirty="0" smtClean="0"/>
+              <a:t>(insert picture of FCF)</a:t>
+            </a:r>
+          </a:p>
+          <a:p>
+            <a:r>
+              <a:rPr lang="en-US" dirty="0" smtClean="0"/>
+              <a:t>Small environment more </a:t>
+            </a:r>
+            <a:r>
+              <a:rPr lang="el-GR" dirty="0" smtClean="0"/>
+              <a:t>Δ</a:t>
+            </a:r>
+            <a:r>
+              <a:rPr lang="da-DK" dirty="0" smtClean="0"/>
+              <a:t>f is needed</a:t>
+            </a:r>
+          </a:p>
+          <a:p>
+            <a:r>
+              <a:rPr lang="da-DK" dirty="0" smtClean="0"/>
+              <a:t>Approximation of coherence bandwidth</a:t>
+            </a:r>
+          </a:p>
+          <a:p>
+            <a:r>
+              <a:rPr lang="da-DK" dirty="0"/>
+              <a:t>RMS delay </a:t>
+            </a:r>
+            <a:r>
+              <a:rPr lang="da-DK" dirty="0" smtClean="0"/>
+              <a:t>spread inversely proportioned to coherence bandwidth</a:t>
+            </a:r>
+            <a:endParaRPr lang="el-GR" dirty="0"/>
+          </a:p>
+          <a:p>
+            <a:endParaRPr lang="el-GR" dirty="0"/>
+          </a:p>
+        </p:txBody>
+      </p:sp>
+    </p:spTree>
+    <p:extLst>
+      <p:ext uri="{BB962C8B-B14F-4D97-AF65-F5344CB8AC3E}">
+        <p14:creationId xmlns:p14="http://schemas.microsoft.com/office/powerpoint/2010/main" val="3247193306"/>
+      </p:ext>
+    </p:extLst>
+  </p:cSld>
+  <p:clrMapOvr>
+    <a:masterClrMapping/>
+  </p:clrMapOvr>
+  <p:transition>
+    <p:fade/>
+  </p:transition>
+</p:sld>
+</file>
+
+<file path=ppt/slides/slide12.xml><?xml version="1.0" encoding="utf-8"?>
+<p:sld xmlns:a="http://schemas.openxmlformats.org/drawingml/2006/main" xmlns:r="http://schemas.openxmlformats.org/officeDocument/2006/relationships" xmlns:p="http://schemas.openxmlformats.org/presentationml/2006/main">
+  <p:cSld>
+    <p:spTree>
+      <p:nvGrpSpPr>
+        <p:cNvPr id="1" name=""/>
+        <p:cNvGrpSpPr/>
+        <p:nvPr/>
+      </p:nvGrpSpPr>
+      <p:grpSpPr>
+        <a:xfrm>
+          <a:off x="0" y="0"/>
+          <a:ext cx="0" cy="0"/>
+          <a:chOff x="0" y="0"/>
+          <a:chExt cx="0" cy="0"/>
+        </a:xfrm>
+      </p:grpSpPr>
+      <p:sp>
+        <p:nvSpPr>
+          <p:cNvPr id="2" name="Title 1"/>
+          <p:cNvSpPr>
+            <a:spLocks noGrp="1"/>
+          </p:cNvSpPr>
+          <p:nvPr>
+            <p:ph type="title"/>
+          </p:nvPr>
+        </p:nvSpPr>
+        <p:spPr/>
+        <p:txBody>
+          <a:bodyPr/>
+          <a:lstStyle/>
+          <a:p>
+            <a:pPr algn="ctr"/>
+            <a:r>
+              <a:rPr lang="en-US" dirty="0" smtClean="0"/>
+              <a:t>Receiver Structure</a:t>
+            </a:r>
+            <a:endParaRPr lang="el-GR" dirty="0"/>
+          </a:p>
+        </p:txBody>
+      </p:sp>
+      <p:sp>
+        <p:nvSpPr>
+          <p:cNvPr id="3" name="Content Placeholder 2"/>
+          <p:cNvSpPr>
+            <a:spLocks noGrp="1"/>
+          </p:cNvSpPr>
+          <p:nvPr>
+            <p:ph idx="1"/>
+          </p:nvPr>
+        </p:nvSpPr>
+        <p:spPr/>
+        <p:txBody>
+          <a:bodyPr/>
+          <a:lstStyle/>
+          <a:p>
+            <a:r>
+              <a:rPr lang="en-US" dirty="0" smtClean="0"/>
+              <a:t>(insert structure photo here)</a:t>
+            </a:r>
+          </a:p>
+          <a:p>
+            <a:r>
+              <a:rPr lang="en-US" dirty="0" smtClean="0"/>
+              <a:t>Explain each part of the structure</a:t>
+            </a:r>
+          </a:p>
+          <a:p>
+            <a:r>
+              <a:rPr lang="en-US" dirty="0" smtClean="0"/>
+              <a:t>Receiver is influenced by :</a:t>
+            </a:r>
+          </a:p>
+          <a:p>
+            <a:pPr lvl="1">
+              <a:buFont typeface="Wingdings" pitchFamily="2" charset="2"/>
+              <a:buChar char="Ø"/>
+            </a:pPr>
+            <a:r>
+              <a:rPr lang="en-US" dirty="0" smtClean="0"/>
+              <a:t>Gain</a:t>
+            </a:r>
+          </a:p>
+          <a:p>
+            <a:pPr lvl="1">
+              <a:buFont typeface="Wingdings" pitchFamily="2" charset="2"/>
+              <a:buChar char="Ø"/>
+            </a:pPr>
+            <a:r>
+              <a:rPr lang="en-US" dirty="0" smtClean="0"/>
+              <a:t>Distortion</a:t>
+            </a:r>
+          </a:p>
+          <a:p>
+            <a:pPr lvl="1">
+              <a:buFont typeface="Wingdings" pitchFamily="2" charset="2"/>
+              <a:buChar char="Ø"/>
+            </a:pPr>
+            <a:r>
+              <a:rPr lang="en-US" dirty="0" smtClean="0"/>
+              <a:t>Noise</a:t>
+            </a:r>
+          </a:p>
+          <a:p>
+            <a:r>
+              <a:rPr lang="en-US" dirty="0" smtClean="0"/>
+              <a:t>Correction with Network Analyzer</a:t>
+            </a:r>
+          </a:p>
+          <a:p>
+            <a:r>
+              <a:rPr lang="en-US" dirty="0" smtClean="0"/>
+              <a:t>Calibration</a:t>
+            </a:r>
+          </a:p>
+          <a:p>
+            <a:endParaRPr lang="en-US" dirty="0"/>
+          </a:p>
+          <a:p>
+            <a:endParaRPr lang="en-US" dirty="0" smtClean="0"/>
+          </a:p>
+        </p:txBody>
+      </p:sp>
+    </p:spTree>
+    <p:extLst>
+      <p:ext uri="{BB962C8B-B14F-4D97-AF65-F5344CB8AC3E}">
+        <p14:creationId xmlns:p14="http://schemas.microsoft.com/office/powerpoint/2010/main" val="408392022"/>
+      </p:ext>
+    </p:extLst>
+  </p:cSld>
+  <p:clrMapOvr>
+    <a:masterClrMapping/>
+  </p:clrMapOvr>
+  <p:transition>
+    <p:fade/>
+  </p:transition>
+</p:sld>
+</file>
+
+<file path=ppt/slides/slide13.xml><?xml version="1.0" encoding="utf-8"?>
+<p:sld xmlns:a="http://schemas.openxmlformats.org/drawingml/2006/main" xmlns:r="http://schemas.openxmlformats.org/officeDocument/2006/relationships" xmlns:p="http://schemas.openxmlformats.org/presentationml/2006/main">
+  <p:cSld>
+    <p:spTree>
+      <p:nvGrpSpPr>
+        <p:cNvPr id="1" name=""/>
+        <p:cNvGrpSpPr/>
+        <p:nvPr/>
+      </p:nvGrpSpPr>
+      <p:grpSpPr>
+        <a:xfrm>
+          <a:off x="0" y="0"/>
+          <a:ext cx="0" cy="0"/>
+          <a:chOff x="0" y="0"/>
+          <a:chExt cx="0" cy="0"/>
+        </a:xfrm>
+      </p:grpSpPr>
+      <p:sp>
+        <p:nvSpPr>
+          <p:cNvPr id="2" name="Title 1"/>
+          <p:cNvSpPr>
+            <a:spLocks noGrp="1"/>
+          </p:cNvSpPr>
+          <p:nvPr>
+            <p:ph type="title"/>
+          </p:nvPr>
+        </p:nvSpPr>
+        <p:spPr/>
+        <p:txBody>
+          <a:bodyPr/>
+          <a:lstStyle/>
+          <a:p>
+            <a:pPr algn="ctr"/>
+            <a:r>
+              <a:rPr lang="en-US" dirty="0" smtClean="0"/>
+              <a:t>Dynamic Range</a:t>
+            </a:r>
+            <a:endParaRPr lang="el-GR" dirty="0"/>
+          </a:p>
+        </p:txBody>
+      </p:sp>
+      <p:sp>
+        <p:nvSpPr>
+          <p:cNvPr id="3" name="Content Placeholder 2"/>
+          <p:cNvSpPr>
+            <a:spLocks noGrp="1"/>
+          </p:cNvSpPr>
+          <p:nvPr>
+            <p:ph idx="1"/>
+          </p:nvPr>
+        </p:nvSpPr>
+        <p:spPr/>
+        <p:txBody>
+          <a:bodyPr/>
+          <a:lstStyle/>
+          <a:p>
+            <a:r>
+              <a:rPr lang="en-US" dirty="0" smtClean="0"/>
+              <a:t>Sensitivity of the receiver to Max signal strength</a:t>
+            </a:r>
+          </a:p>
+          <a:p>
+            <a:r>
+              <a:rPr lang="en-US" dirty="0" smtClean="0"/>
+              <a:t>Sensitivity lowest signal that meets the receiver’s criteria</a:t>
+            </a:r>
+          </a:p>
+          <a:p>
+            <a:r>
+              <a:rPr lang="en-US" dirty="0" smtClean="0"/>
+              <a:t>In NA sensitivity=noise floor</a:t>
+            </a:r>
+          </a:p>
+          <a:p>
+            <a:r>
+              <a:rPr lang="en-US" dirty="0" smtClean="0"/>
+              <a:t>Tradeoff between Narrowband-Wideband sample acquisition </a:t>
+            </a:r>
+          </a:p>
+          <a:p>
+            <a:r>
+              <a:rPr lang="en-US" dirty="0" smtClean="0"/>
+              <a:t>Digital signal processing – averaging </a:t>
+            </a:r>
+            <a:endParaRPr lang="el-GR" dirty="0"/>
+          </a:p>
+        </p:txBody>
+      </p:sp>
+    </p:spTree>
+    <p:extLst>
+      <p:ext uri="{BB962C8B-B14F-4D97-AF65-F5344CB8AC3E}">
+        <p14:creationId xmlns:p14="http://schemas.microsoft.com/office/powerpoint/2010/main" val="115422397"/>
+      </p:ext>
+    </p:extLst>
+  </p:cSld>
+  <p:clrMapOvr>
+    <a:masterClrMapping/>
+  </p:clrMapOvr>
+  <p:transition>
+    <p:fade/>
+  </p:transition>
+</p:sld>
+</file>
+
+<file path=ppt/slides/slide14.xml><?xml version="1.0" encoding="utf-8"?>
+<p:sld xmlns:a="http://schemas.openxmlformats.org/drawingml/2006/main" xmlns:r="http://schemas.openxmlformats.org/officeDocument/2006/relationships" xmlns:p="http://schemas.openxmlformats.org/presentationml/2006/main">
+  <p:cSld>
+    <p:spTree>
+      <p:nvGrpSpPr>
+        <p:cNvPr id="1" name=""/>
+        <p:cNvGrpSpPr/>
+        <p:nvPr/>
+      </p:nvGrpSpPr>
+      <p:grpSpPr>
+        <a:xfrm>
+          <a:off x="0" y="0"/>
+          <a:ext cx="0" cy="0"/>
+          <a:chOff x="0" y="0"/>
+          <a:chExt cx="0" cy="0"/>
+        </a:xfrm>
+      </p:grpSpPr>
+      <p:sp>
+        <p:nvSpPr>
+          <p:cNvPr id="2" name="Title 1"/>
+          <p:cNvSpPr>
+            <a:spLocks noGrp="1"/>
+          </p:cNvSpPr>
+          <p:nvPr>
+            <p:ph type="title"/>
+          </p:nvPr>
+        </p:nvSpPr>
+        <p:spPr/>
+        <p:txBody>
+          <a:bodyPr/>
+          <a:lstStyle/>
+          <a:p>
+            <a:pPr algn="ctr"/>
+            <a:r>
+              <a:rPr lang="en-US" dirty="0" smtClean="0"/>
+              <a:t>SNR Margin Estimation</a:t>
+            </a:r>
+            <a:endParaRPr lang="el-GR" dirty="0"/>
+          </a:p>
+        </p:txBody>
+      </p:sp>
+      <p:sp>
+        <p:nvSpPr>
+          <p:cNvPr id="3" name="Content Placeholder 2"/>
+          <p:cNvSpPr>
+            <a:spLocks noGrp="1"/>
+          </p:cNvSpPr>
+          <p:nvPr>
+            <p:ph idx="1"/>
+          </p:nvPr>
+        </p:nvSpPr>
+        <p:spPr/>
+        <p:txBody>
+          <a:bodyPr/>
+          <a:lstStyle/>
+          <a:p>
+            <a:r>
+              <a:rPr lang="en-US" dirty="0" smtClean="0"/>
+              <a:t>Distinguish noise from deep fades</a:t>
+            </a:r>
+          </a:p>
+          <a:p>
+            <a:r>
+              <a:rPr lang="en-US" dirty="0" err="1" smtClean="0"/>
+              <a:t>Rician</a:t>
+            </a:r>
+            <a:r>
+              <a:rPr lang="en-US" dirty="0" smtClean="0"/>
+              <a:t> distribution</a:t>
+            </a:r>
+          </a:p>
+          <a:p>
+            <a:pPr lvl="1">
+              <a:buFont typeface="Wingdings" pitchFamily="2" charset="2"/>
+              <a:buChar char="Ø"/>
+            </a:pPr>
+            <a:r>
+              <a:rPr lang="en-US" dirty="0" smtClean="0"/>
+              <a:t>LOS connection</a:t>
+            </a:r>
+          </a:p>
+          <a:p>
+            <a:pPr lvl="1">
+              <a:buFont typeface="Wingdings" pitchFamily="2" charset="2"/>
+              <a:buChar char="Ø"/>
+            </a:pPr>
+            <a:r>
+              <a:rPr lang="en-US" dirty="0" smtClean="0"/>
+              <a:t>K-factor is LOS signal to scattered signals</a:t>
+            </a:r>
+          </a:p>
+          <a:p>
+            <a:r>
+              <a:rPr lang="en-US" dirty="0" smtClean="0"/>
+              <a:t>K-factor to SNR connection</a:t>
+            </a:r>
+          </a:p>
+          <a:p>
+            <a:r>
+              <a:rPr lang="en-US" dirty="0" smtClean="0"/>
+              <a:t>For 90% confidence level and </a:t>
+            </a:r>
+            <a:r>
+              <a:rPr lang="el-GR" dirty="0"/>
+              <a:t>± </a:t>
+            </a:r>
+            <a:r>
+              <a:rPr lang="en-US" dirty="0" smtClean="0"/>
+              <a:t>1dB interval SNR margin is 14dB</a:t>
+            </a:r>
+            <a:endParaRPr lang="el-GR" dirty="0"/>
+          </a:p>
+        </p:txBody>
+      </p:sp>
+    </p:spTree>
+    <p:extLst>
+      <p:ext uri="{BB962C8B-B14F-4D97-AF65-F5344CB8AC3E}">
+        <p14:creationId xmlns:p14="http://schemas.microsoft.com/office/powerpoint/2010/main" val="3389210603"/>
+      </p:ext>
+    </p:extLst>
+  </p:cSld>
+  <p:clrMapOvr>
+    <a:masterClrMapping/>
+  </p:clrMapOvr>
+  <p:transition>
+    <p:fade/>
+  </p:transition>
+</p:sld>
+</file>
+
+<file path=ppt/slides/slide15.xml><?xml version="1.0" encoding="utf-8"?>
+<p:sld xmlns:a="http://schemas.openxmlformats.org/drawingml/2006/main" xmlns:r="http://schemas.openxmlformats.org/officeDocument/2006/relationships" xmlns:p="http://schemas.openxmlformats.org/presentationml/2006/main">
+  <p:cSld>
+    <p:spTree>
+      <p:nvGrpSpPr>
+        <p:cNvPr id="1" name=""/>
+        <p:cNvGrpSpPr/>
+        <p:nvPr/>
+      </p:nvGrpSpPr>
+      <p:grpSpPr>
+        <a:xfrm>
+          <a:off x="0" y="0"/>
+          <a:ext cx="0" cy="0"/>
+          <a:chOff x="0" y="0"/>
+          <a:chExt cx="0" cy="0"/>
+        </a:xfrm>
+      </p:grpSpPr>
+      <p:sp>
+        <p:nvSpPr>
+          <p:cNvPr id="2" name="Title 1"/>
+          <p:cNvSpPr>
+            <a:spLocks noGrp="1"/>
+          </p:cNvSpPr>
+          <p:nvPr>
+            <p:ph type="title"/>
+          </p:nvPr>
+        </p:nvSpPr>
+        <p:spPr/>
+        <p:txBody>
+          <a:bodyPr/>
+          <a:lstStyle/>
+          <a:p>
+            <a:pPr algn="ctr"/>
+            <a:r>
+              <a:rPr lang="en-US" dirty="0" smtClean="0"/>
+              <a:t>Measurement Setup</a:t>
+            </a:r>
+            <a:endParaRPr lang="el-GR" dirty="0"/>
+          </a:p>
+        </p:txBody>
+      </p:sp>
+      <p:sp>
+        <p:nvSpPr>
+          <p:cNvPr id="3" name="Content Placeholder 2"/>
+          <p:cNvSpPr>
+            <a:spLocks noGrp="1"/>
+          </p:cNvSpPr>
+          <p:nvPr>
+            <p:ph idx="1"/>
+          </p:nvPr>
+        </p:nvSpPr>
+        <p:spPr/>
+        <p:txBody>
+          <a:bodyPr/>
+          <a:lstStyle/>
+          <a:p>
+            <a:endParaRPr lang="el-GR"/>
+          </a:p>
+        </p:txBody>
+      </p:sp>
+    </p:spTree>
+    <p:extLst>
+      <p:ext uri="{BB962C8B-B14F-4D97-AF65-F5344CB8AC3E}">
+        <p14:creationId xmlns:p14="http://schemas.microsoft.com/office/powerpoint/2010/main" val="928867232"/>
+      </p:ext>
+    </p:extLst>
+  </p:cSld>
+  <p:clrMapOvr>
+    <a:masterClrMapping/>
+  </p:clrMapOvr>
+  <p:transition>
+    <p:fade/>
+  </p:transition>
+</p:sld>
+</file>
+
 <file path=ppt/slides/slide2.xml><?xml version="1.0" encoding="utf-8"?>
 <p:sld xmlns:a="http://schemas.openxmlformats.org/drawingml/2006/main" xmlns:r="http://schemas.openxmlformats.org/officeDocument/2006/relationships" xmlns:p="http://schemas.openxmlformats.org/presentationml/2006/main">
   <p:cSld>
@@ -5456,7 +6186,35 @@
           <a:bodyPr/>
           <a:lstStyle/>
           <a:p>
-            <a:endParaRPr lang="el-GR"/>
+            <a:r>
+              <a:rPr lang="en-US" dirty="0" smtClean="0"/>
+              <a:t>WSS – Temporal domain</a:t>
+            </a:r>
+          </a:p>
+          <a:p>
+            <a:r>
+              <a:rPr lang="en-US" dirty="0" smtClean="0"/>
+              <a:t>US – Spatial domain</a:t>
+            </a:r>
+          </a:p>
+          <a:p>
+            <a:r>
+              <a:rPr lang="en-US" dirty="0" smtClean="0"/>
+              <a:t>One parameter per domain</a:t>
+            </a:r>
+          </a:p>
+          <a:p>
+            <a:r>
+              <a:rPr lang="en-US" dirty="0" smtClean="0"/>
+              <a:t>Joint autocorrelations(insert picture here)</a:t>
+            </a:r>
+          </a:p>
+          <a:p>
+            <a:r>
+              <a:rPr lang="en-US" dirty="0" smtClean="0"/>
+              <a:t>Independent domains</a:t>
+            </a:r>
+            <a:endParaRPr lang="el-GR" dirty="0"/>
           </a:p>
         </p:txBody>
       </p:sp>

--- a/ppt/premature ppt.pptx
+++ b/ppt/premature ppt.pptx
@@ -5,7 +5,7 @@
     <p:sldMasterId id="2147483648" r:id="rId1"/>
   </p:sldMasterIdLst>
   <p:notesMasterIdLst>
-    <p:notesMasterId r:id="rId17"/>
+    <p:notesMasterId r:id="rId28"/>
   </p:notesMasterIdLst>
   <p:sldIdLst>
     <p:sldId id="256" r:id="rId2"/>
@@ -23,6 +23,17 @@
     <p:sldId id="268" r:id="rId14"/>
     <p:sldId id="269" r:id="rId15"/>
     <p:sldId id="270" r:id="rId16"/>
+    <p:sldId id="271" r:id="rId17"/>
+    <p:sldId id="272" r:id="rId18"/>
+    <p:sldId id="273" r:id="rId19"/>
+    <p:sldId id="274" r:id="rId20"/>
+    <p:sldId id="275" r:id="rId21"/>
+    <p:sldId id="278" r:id="rId22"/>
+    <p:sldId id="276" r:id="rId23"/>
+    <p:sldId id="277" r:id="rId24"/>
+    <p:sldId id="279" r:id="rId25"/>
+    <p:sldId id="280" r:id="rId26"/>
+    <p:sldId id="281" r:id="rId27"/>
   </p:sldIdLst>
   <p:sldSz cx="9144000" cy="6858000" type="screen4x3"/>
   <p:notesSz cx="6858000" cy="9144000"/>
@@ -206,7 +217,7 @@
           <a:p>
             <a:fld id="{27EAA7B7-9729-4998-A735-980F4A67C550}" type="datetimeFigureOut">
               <a:rPr lang="da-DK" smtClean="0"/>
-              <a:t>13-06-2017</a:t>
+              <a:t>14-06-2017</a:t>
             </a:fld>
             <a:endParaRPr lang="da-DK"/>
           </a:p>
@@ -638,7 +649,7 @@
           <a:p>
             <a:fld id="{9E7A4F2D-3E4C-4B5D-BE90-617E350CBCB0}" type="datetime1">
               <a:rPr lang="en-US" smtClean="0"/>
-              <a:t>6/13/2017</a:t>
+              <a:t>6/14/2017</a:t>
             </a:fld>
             <a:endParaRPr lang="da-DK"/>
           </a:p>
@@ -1090,7 +1101,7 @@
           <a:p>
             <a:fld id="{59811876-57C1-4E57-B3D5-811D4A7749BD}" type="datetime1">
               <a:rPr lang="en-US" smtClean="0"/>
-              <a:t>6/13/2017</a:t>
+              <a:t>6/14/2017</a:t>
             </a:fld>
             <a:endParaRPr lang="da-DK"/>
           </a:p>
@@ -1265,7 +1276,7 @@
           <a:p>
             <a:fld id="{A027A2E2-4A97-4510-BCDE-7B7FE2925400}" type="datetime1">
               <a:rPr lang="en-US" smtClean="0"/>
-              <a:t>6/13/2017</a:t>
+              <a:t>6/14/2017</a:t>
             </a:fld>
             <a:endParaRPr lang="da-DK"/>
           </a:p>
@@ -1532,7 +1543,7 @@
           <a:p>
             <a:fld id="{48E127FB-E98B-4846-B79F-E8A32E28DB0F}" type="datetime1">
               <a:rPr lang="en-US" smtClean="0"/>
-              <a:t>6/13/2017</a:t>
+              <a:t>6/14/2017</a:t>
             </a:fld>
             <a:endParaRPr lang="da-DK"/>
           </a:p>
@@ -1748,7 +1759,7 @@
           <a:p>
             <a:fld id="{04595749-9A07-4D32-9BA1-70B5CAE1178C}" type="datetime1">
               <a:rPr lang="en-US" smtClean="0"/>
-              <a:t>6/13/2017</a:t>
+              <a:t>6/14/2017</a:t>
             </a:fld>
             <a:endParaRPr lang="da-DK"/>
           </a:p>
@@ -1864,7 +1875,7 @@
           <a:p>
             <a:fld id="{2036BE53-6C39-4C63-9F8D-3493893D403B}" type="datetime1">
               <a:rPr lang="en-US" smtClean="0"/>
-              <a:t>6/13/2017</a:t>
+              <a:t>6/14/2017</a:t>
             </a:fld>
             <a:endParaRPr lang="da-DK"/>
           </a:p>
@@ -2123,7 +2134,7 @@
           <a:p>
             <a:fld id="{0775C8BB-F69C-41F0-97E2-212D172D3B53}" type="datetime1">
               <a:rPr lang="en-US" smtClean="0"/>
-              <a:t>6/13/2017</a:t>
+              <a:t>6/14/2017</a:t>
             </a:fld>
             <a:endParaRPr lang="da-DK" dirty="0"/>
           </a:p>
@@ -2462,7 +2473,7 @@
           <a:p>
             <a:fld id="{E70A62B0-E7E2-4CF5-913E-3C1EE37363B7}" type="datetime1">
               <a:rPr lang="en-US" smtClean="0"/>
-              <a:t>6/13/2017</a:t>
+              <a:t>6/14/2017</a:t>
             </a:fld>
             <a:endParaRPr lang="da-DK"/>
           </a:p>
@@ -2583,7 +2594,7 @@
           <a:p>
             <a:fld id="{8E2A3FD1-DFEE-478F-8764-EA4A12E6E420}" type="datetime1">
               <a:rPr lang="en-US" smtClean="0"/>
-              <a:t>6/13/2017</a:t>
+              <a:t>6/14/2017</a:t>
             </a:fld>
             <a:endParaRPr lang="da-DK"/>
           </a:p>
@@ -3038,7 +3049,7 @@
           <a:p>
             <a:fld id="{87613CBE-7DAD-4AD6-A447-AE25CEF4DF49}" type="datetime1">
               <a:rPr lang="en-US" smtClean="0"/>
-              <a:t>6/13/2017</a:t>
+              <a:t>6/14/2017</a:t>
             </a:fld>
             <a:endParaRPr lang="da-DK"/>
           </a:p>
@@ -3415,7 +3426,7 @@
           <a:p>
             <a:fld id="{D0C2A6F4-40AE-463F-85E5-665BB46F1CBB}" type="datetime1">
               <a:rPr lang="en-US" smtClean="0"/>
-              <a:t>6/13/2017</a:t>
+              <a:t>6/14/2017</a:t>
             </a:fld>
             <a:endParaRPr lang="da-DK"/>
           </a:p>
@@ -3501,7 +3512,7 @@
           <a:p>
             <a:fld id="{9D8E1AC8-7F67-46F6-B557-46F7F820EB38}" type="datetime1">
               <a:rPr lang="en-US" smtClean="0"/>
-              <a:t>6/13/2017</a:t>
+              <a:t>6/14/2017</a:t>
             </a:fld>
             <a:endParaRPr lang="da-DK"/>
           </a:p>
@@ -3705,7 +3716,7 @@
           <a:p>
             <a:fld id="{794A86D9-E5D1-499F-92A5-9D5B7169092D}" type="datetime1">
               <a:rPr lang="en-US" smtClean="0"/>
-              <a:t>6/13/2017</a:t>
+              <a:t>6/14/2017</a:t>
             </a:fld>
             <a:endParaRPr lang="da-DK"/>
           </a:p>
@@ -4039,7 +4050,7 @@
           <a:p>
             <a:fld id="{A355CBA8-7D2E-46F8-A8E5-BD7BACFEDE84}" type="datetime1">
               <a:rPr lang="en-US" smtClean="0"/>
-              <a:t>6/13/2017</a:t>
+              <a:t>6/14/2017</a:t>
             </a:fld>
             <a:endParaRPr lang="da-DK" dirty="0"/>
           </a:p>
@@ -5284,7 +5295,17 @@
           <a:bodyPr/>
           <a:lstStyle/>
           <a:p>
-            <a:endParaRPr lang="el-GR"/>
+            <a:r>
+              <a:rPr lang="en-US" dirty="0" smtClean="0"/>
+              <a:t>(inser</a:t>
+            </a:r>
+            <a:r>
+              <a:rPr lang="en-US" dirty="0" smtClean="0"/>
+              <a:t>t picture of designed room)</a:t>
+            </a:r>
+          </a:p>
+          <a:p>
+            <a:endParaRPr lang="el-GR" dirty="0"/>
           </a:p>
         </p:txBody>
       </p:sp>
@@ -5292,6 +5313,498 @@
     <p:extLst>
       <p:ext uri="{BB962C8B-B14F-4D97-AF65-F5344CB8AC3E}">
         <p14:creationId xmlns:p14="http://schemas.microsoft.com/office/powerpoint/2010/main" val="928867232"/>
+      </p:ext>
+    </p:extLst>
+  </p:cSld>
+  <p:clrMapOvr>
+    <a:masterClrMapping/>
+  </p:clrMapOvr>
+  <p:transition>
+    <p:fade/>
+  </p:transition>
+</p:sld>
+</file>
+
+<file path=ppt/slides/slide16.xml><?xml version="1.0" encoding="utf-8"?>
+<p:sld xmlns:a="http://schemas.openxmlformats.org/drawingml/2006/main" xmlns:r="http://schemas.openxmlformats.org/officeDocument/2006/relationships" xmlns:p="http://schemas.openxmlformats.org/presentationml/2006/main">
+  <p:cSld>
+    <p:spTree>
+      <p:nvGrpSpPr>
+        <p:cNvPr id="1" name=""/>
+        <p:cNvGrpSpPr/>
+        <p:nvPr/>
+      </p:nvGrpSpPr>
+      <p:grpSpPr>
+        <a:xfrm>
+          <a:off x="0" y="0"/>
+          <a:ext cx="0" cy="0"/>
+          <a:chOff x="0" y="0"/>
+          <a:chExt cx="0" cy="0"/>
+        </a:xfrm>
+      </p:grpSpPr>
+      <p:sp>
+        <p:nvSpPr>
+          <p:cNvPr id="2" name="Title 1"/>
+          <p:cNvSpPr>
+            <a:spLocks noGrp="1"/>
+          </p:cNvSpPr>
+          <p:nvPr>
+            <p:ph type="title"/>
+          </p:nvPr>
+        </p:nvSpPr>
+        <p:spPr/>
+        <p:txBody>
+          <a:bodyPr/>
+          <a:lstStyle/>
+          <a:p>
+            <a:pPr algn="ctr"/>
+            <a:r>
+              <a:rPr lang="en-US" dirty="0" smtClean="0"/>
+              <a:t>Equipment</a:t>
+            </a:r>
+            <a:endParaRPr lang="el-GR" dirty="0"/>
+          </a:p>
+        </p:txBody>
+      </p:sp>
+      <p:sp>
+        <p:nvSpPr>
+          <p:cNvPr id="3" name="Content Placeholder 2"/>
+          <p:cNvSpPr>
+            <a:spLocks noGrp="1"/>
+          </p:cNvSpPr>
+          <p:nvPr>
+            <p:ph idx="1"/>
+          </p:nvPr>
+        </p:nvSpPr>
+        <p:spPr/>
+        <p:txBody>
+          <a:bodyPr/>
+          <a:lstStyle/>
+          <a:p>
+            <a:r>
+              <a:rPr lang="en-US" dirty="0" err="1" smtClean="0"/>
+              <a:t>Keysight</a:t>
+            </a:r>
+            <a:r>
+              <a:rPr lang="en-US" dirty="0" smtClean="0"/>
+              <a:t> 4-port Network Analyzer</a:t>
+            </a:r>
+          </a:p>
+          <a:p>
+            <a:r>
+              <a:rPr lang="en-US" dirty="0" smtClean="0"/>
+              <a:t>Dynamic Range 131dB and Frequency Range 10MHz to 67GHz</a:t>
+            </a:r>
+          </a:p>
+          <a:p>
+            <a:r>
+              <a:rPr lang="en-US" dirty="0" smtClean="0"/>
+              <a:t>Simple Calibration</a:t>
+            </a:r>
+          </a:p>
+          <a:p>
+            <a:r>
+              <a:rPr lang="en-US" dirty="0" smtClean="0"/>
+              <a:t>3 RX cables(10m) and 1 TX cable(4m) with cable loss 0.5dB/m</a:t>
+            </a:r>
+          </a:p>
+          <a:p>
+            <a:r>
+              <a:rPr lang="en-US" dirty="0" smtClean="0"/>
+              <a:t>RX omnidirectional antenna array fc 5GHz and 0.4</a:t>
+            </a:r>
+            <a:r>
+              <a:rPr lang="el-GR" dirty="0" smtClean="0"/>
+              <a:t>λ </a:t>
+            </a:r>
+            <a:r>
+              <a:rPr lang="en-US" dirty="0" smtClean="0"/>
+              <a:t>spacing</a:t>
+            </a:r>
+          </a:p>
+          <a:p>
+            <a:r>
+              <a:rPr lang="en-US" dirty="0" smtClean="0"/>
+              <a:t>Directional TX antenna 12dBi Gain and fc 5GHz</a:t>
+            </a:r>
+          </a:p>
+          <a:p>
+            <a:r>
+              <a:rPr lang="en-US" dirty="0" smtClean="0"/>
+              <a:t>(insert figure 5.6)</a:t>
+            </a:r>
+            <a:endParaRPr lang="el-GR" dirty="0"/>
+          </a:p>
+        </p:txBody>
+      </p:sp>
+    </p:spTree>
+    <p:extLst>
+      <p:ext uri="{BB962C8B-B14F-4D97-AF65-F5344CB8AC3E}">
+        <p14:creationId xmlns:p14="http://schemas.microsoft.com/office/powerpoint/2010/main" val="2582468732"/>
+      </p:ext>
+    </p:extLst>
+  </p:cSld>
+  <p:clrMapOvr>
+    <a:masterClrMapping/>
+  </p:clrMapOvr>
+  <p:transition>
+    <p:fade/>
+  </p:transition>
+</p:sld>
+</file>
+
+<file path=ppt/slides/slide17.xml><?xml version="1.0" encoding="utf-8"?>
+<p:sld xmlns:a="http://schemas.openxmlformats.org/drawingml/2006/main" xmlns:r="http://schemas.openxmlformats.org/officeDocument/2006/relationships" xmlns:p="http://schemas.openxmlformats.org/presentationml/2006/main">
+  <p:cSld>
+    <p:spTree>
+      <p:nvGrpSpPr>
+        <p:cNvPr id="1" name=""/>
+        <p:cNvGrpSpPr/>
+        <p:nvPr/>
+      </p:nvGrpSpPr>
+      <p:grpSpPr>
+        <a:xfrm>
+          <a:off x="0" y="0"/>
+          <a:ext cx="0" cy="0"/>
+          <a:chOff x="0" y="0"/>
+          <a:chExt cx="0" cy="0"/>
+        </a:xfrm>
+      </p:grpSpPr>
+      <p:sp>
+        <p:nvSpPr>
+          <p:cNvPr id="2" name="Title 1"/>
+          <p:cNvSpPr>
+            <a:spLocks noGrp="1"/>
+          </p:cNvSpPr>
+          <p:nvPr>
+            <p:ph type="title"/>
+          </p:nvPr>
+        </p:nvSpPr>
+        <p:spPr/>
+        <p:txBody>
+          <a:bodyPr/>
+          <a:lstStyle/>
+          <a:p>
+            <a:pPr algn="ctr"/>
+            <a:r>
+              <a:rPr lang="en-US" dirty="0" smtClean="0"/>
+              <a:t>Measurement of Coherence Bandwidth</a:t>
+            </a:r>
+            <a:endParaRPr lang="el-GR" dirty="0"/>
+          </a:p>
+        </p:txBody>
+      </p:sp>
+      <p:sp>
+        <p:nvSpPr>
+          <p:cNvPr id="3" name="Content Placeholder 2"/>
+          <p:cNvSpPr>
+            <a:spLocks noGrp="1"/>
+          </p:cNvSpPr>
+          <p:nvPr>
+            <p:ph idx="1"/>
+          </p:nvPr>
+        </p:nvSpPr>
+        <p:spPr/>
+        <p:txBody>
+          <a:bodyPr/>
+          <a:lstStyle/>
+          <a:p>
+            <a:r>
+              <a:rPr lang="en-US" dirty="0" smtClean="0"/>
+              <a:t>PDP measurement</a:t>
+            </a:r>
+          </a:p>
+          <a:p>
+            <a:r>
+              <a:rPr lang="en-US" dirty="0" smtClean="0"/>
+              <a:t>20 different positions in the measurement area</a:t>
+            </a:r>
+          </a:p>
+          <a:p>
+            <a:r>
+              <a:rPr lang="en-US" dirty="0" smtClean="0"/>
+              <a:t>(insert figure 4.1)</a:t>
+            </a:r>
+          </a:p>
+          <a:p>
+            <a:r>
+              <a:rPr lang="en-US" dirty="0" smtClean="0"/>
+              <a:t>RMS delay spread 14ns = 71.5MHz</a:t>
+            </a:r>
+          </a:p>
+          <a:p>
+            <a:r>
+              <a:rPr lang="en-US" dirty="0" smtClean="0"/>
+              <a:t>New measurement with </a:t>
+            </a:r>
+            <a:r>
+              <a:rPr lang="el-GR" dirty="0" smtClean="0"/>
+              <a:t>Δ</a:t>
+            </a:r>
+            <a:r>
+              <a:rPr lang="da-DK" dirty="0" smtClean="0"/>
+              <a:t>f </a:t>
+            </a:r>
+            <a:r>
+              <a:rPr lang="en-US" dirty="0" smtClean="0"/>
+              <a:t>5MHz</a:t>
+            </a:r>
+          </a:p>
+          <a:p>
+            <a:r>
+              <a:rPr lang="en-US" dirty="0" smtClean="0"/>
+              <a:t>Autocorrelation function to determine the Frequency Correlation</a:t>
+            </a:r>
+          </a:p>
+          <a:p>
+            <a:r>
+              <a:rPr lang="en-US" dirty="0" smtClean="0"/>
+              <a:t>(insert figure 7.2)</a:t>
+            </a:r>
+          </a:p>
+          <a:p>
+            <a:r>
+              <a:rPr lang="en-US" dirty="0" smtClean="0"/>
+              <a:t>Correlation &lt; 0.3 with </a:t>
+            </a:r>
+            <a:r>
+              <a:rPr lang="en-US" dirty="0" err="1" smtClean="0"/>
+              <a:t>Bc</a:t>
+            </a:r>
+            <a:r>
+              <a:rPr lang="en-US" dirty="0" smtClean="0"/>
+              <a:t> 25MHz </a:t>
+            </a:r>
+          </a:p>
+        </p:txBody>
+      </p:sp>
+    </p:spTree>
+    <p:extLst>
+      <p:ext uri="{BB962C8B-B14F-4D97-AF65-F5344CB8AC3E}">
+        <p14:creationId xmlns:p14="http://schemas.microsoft.com/office/powerpoint/2010/main" val="3404556739"/>
+      </p:ext>
+    </p:extLst>
+  </p:cSld>
+  <p:clrMapOvr>
+    <a:masterClrMapping/>
+  </p:clrMapOvr>
+  <p:transition>
+    <p:fade/>
+  </p:transition>
+</p:sld>
+</file>
+
+<file path=ppt/slides/slide18.xml><?xml version="1.0" encoding="utf-8"?>
+<p:sld xmlns:a="http://schemas.openxmlformats.org/drawingml/2006/main" xmlns:r="http://schemas.openxmlformats.org/officeDocument/2006/relationships" xmlns:p="http://schemas.openxmlformats.org/presentationml/2006/main">
+  <p:cSld>
+    <p:spTree>
+      <p:nvGrpSpPr>
+        <p:cNvPr id="1" name=""/>
+        <p:cNvGrpSpPr/>
+        <p:nvPr/>
+      </p:nvGrpSpPr>
+      <p:grpSpPr>
+        <a:xfrm>
+          <a:off x="0" y="0"/>
+          <a:ext cx="0" cy="0"/>
+          <a:chOff x="0" y="0"/>
+          <a:chExt cx="0" cy="0"/>
+        </a:xfrm>
+      </p:grpSpPr>
+      <p:sp>
+        <p:nvSpPr>
+          <p:cNvPr id="2" name="Title 1"/>
+          <p:cNvSpPr>
+            <a:spLocks noGrp="1"/>
+          </p:cNvSpPr>
+          <p:nvPr>
+            <p:ph type="title"/>
+          </p:nvPr>
+        </p:nvSpPr>
+        <p:spPr/>
+        <p:txBody>
+          <a:bodyPr/>
+          <a:lstStyle/>
+          <a:p>
+            <a:pPr algn="ctr"/>
+            <a:r>
+              <a:rPr lang="en-US" dirty="0" smtClean="0"/>
+              <a:t>Fading Measurements-Results</a:t>
+            </a:r>
+            <a:endParaRPr lang="el-GR" dirty="0"/>
+          </a:p>
+        </p:txBody>
+      </p:sp>
+      <p:sp>
+        <p:nvSpPr>
+          <p:cNvPr id="3" name="Content Placeholder 2"/>
+          <p:cNvSpPr>
+            <a:spLocks noGrp="1"/>
+          </p:cNvSpPr>
+          <p:nvPr>
+            <p:ph idx="1"/>
+          </p:nvPr>
+        </p:nvSpPr>
+        <p:spPr/>
+        <p:txBody>
+          <a:bodyPr/>
+          <a:lstStyle/>
+          <a:p>
+            <a:r>
+              <a:rPr lang="en-US" dirty="0" smtClean="0"/>
+              <a:t>162 walks for total combined length of 810 meters</a:t>
+            </a:r>
+          </a:p>
+          <a:p>
+            <a:r>
+              <a:rPr lang="en-US" dirty="0" smtClean="0"/>
+              <a:t>Total 4,184,460 samples</a:t>
+            </a:r>
+          </a:p>
+          <a:p>
+            <a:endParaRPr lang="el-GR" dirty="0"/>
+          </a:p>
+        </p:txBody>
+      </p:sp>
+    </p:spTree>
+    <p:extLst>
+      <p:ext uri="{BB962C8B-B14F-4D97-AF65-F5344CB8AC3E}">
+        <p14:creationId xmlns:p14="http://schemas.microsoft.com/office/powerpoint/2010/main" val="1834603496"/>
+      </p:ext>
+    </p:extLst>
+  </p:cSld>
+  <p:clrMapOvr>
+    <a:masterClrMapping/>
+  </p:clrMapOvr>
+  <p:transition>
+    <p:fade/>
+  </p:transition>
+</p:sld>
+</file>
+
+<file path=ppt/slides/slide19.xml><?xml version="1.0" encoding="utf-8"?>
+<p:sld xmlns:a="http://schemas.openxmlformats.org/drawingml/2006/main" xmlns:r="http://schemas.openxmlformats.org/officeDocument/2006/relationships" xmlns:p="http://schemas.openxmlformats.org/presentationml/2006/main">
+  <p:cSld>
+    <p:spTree>
+      <p:nvGrpSpPr>
+        <p:cNvPr id="1" name=""/>
+        <p:cNvGrpSpPr/>
+        <p:nvPr/>
+      </p:nvGrpSpPr>
+      <p:grpSpPr>
+        <a:xfrm>
+          <a:off x="0" y="0"/>
+          <a:ext cx="0" cy="0"/>
+          <a:chOff x="0" y="0"/>
+          <a:chExt cx="0" cy="0"/>
+        </a:xfrm>
+      </p:grpSpPr>
+      <p:sp>
+        <p:nvSpPr>
+          <p:cNvPr id="2" name="Title 1"/>
+          <p:cNvSpPr>
+            <a:spLocks noGrp="1"/>
+          </p:cNvSpPr>
+          <p:nvPr>
+            <p:ph type="title"/>
+          </p:nvPr>
+        </p:nvSpPr>
+        <p:spPr/>
+        <p:txBody>
+          <a:bodyPr/>
+          <a:lstStyle/>
+          <a:p>
+            <a:pPr algn="ctr"/>
+            <a:r>
+              <a:rPr lang="en-US" dirty="0" smtClean="0"/>
+              <a:t>Data Processing</a:t>
+            </a:r>
+            <a:endParaRPr lang="el-GR" dirty="0"/>
+          </a:p>
+        </p:txBody>
+      </p:sp>
+      <p:sp>
+        <p:nvSpPr>
+          <p:cNvPr id="3" name="Content Placeholder 2"/>
+          <p:cNvSpPr>
+            <a:spLocks noGrp="1"/>
+          </p:cNvSpPr>
+          <p:nvPr>
+            <p:ph idx="1"/>
+          </p:nvPr>
+        </p:nvSpPr>
+        <p:spPr/>
+        <p:txBody>
+          <a:bodyPr/>
+          <a:lstStyle/>
+          <a:p>
+            <a:r>
+              <a:rPr lang="en-US" dirty="0" err="1" smtClean="0"/>
+              <a:t>Stationarity</a:t>
+            </a:r>
+            <a:r>
+              <a:rPr lang="en-US" dirty="0" smtClean="0"/>
+              <a:t> WSSUS criteria</a:t>
+            </a:r>
+          </a:p>
+          <a:p>
+            <a:r>
+              <a:rPr lang="en-US" dirty="0" smtClean="0"/>
+              <a:t>Data structure Frequency , Antenna and Space/walk</a:t>
+            </a:r>
+          </a:p>
+          <a:p>
+            <a:r>
+              <a:rPr lang="en-US" dirty="0" smtClean="0"/>
+              <a:t>Frequency </a:t>
+            </a:r>
+            <a:r>
+              <a:rPr lang="en-US" dirty="0" err="1" smtClean="0"/>
+              <a:t>stationarity</a:t>
+            </a:r>
+            <a:r>
+              <a:rPr lang="en-US" dirty="0" smtClean="0"/>
+              <a:t>(insert figure 8.2)</a:t>
+            </a:r>
+          </a:p>
+          <a:p>
+            <a:r>
+              <a:rPr lang="en-US" dirty="0" smtClean="0"/>
+              <a:t>Spatial </a:t>
+            </a:r>
+            <a:r>
+              <a:rPr lang="en-US" dirty="0" err="1" smtClean="0"/>
+              <a:t>stationarity</a:t>
+            </a:r>
+            <a:endParaRPr lang="en-US" dirty="0"/>
+          </a:p>
+          <a:p>
+            <a:r>
+              <a:rPr lang="en-US" dirty="0" smtClean="0"/>
+              <a:t>Visualization of the space data(insert figures 8.3)</a:t>
+            </a:r>
+          </a:p>
+          <a:p>
+            <a:r>
+              <a:rPr lang="en-US" dirty="0" smtClean="0"/>
+              <a:t>Main lobe reflection – not stationary</a:t>
+            </a:r>
+          </a:p>
+          <a:p>
+            <a:r>
+              <a:rPr lang="en-US" dirty="0" smtClean="0"/>
+              <a:t>Moving average required (insert figures for 8.4)</a:t>
+            </a:r>
+          </a:p>
+          <a:p>
+            <a:endParaRPr lang="el-GR" dirty="0"/>
+          </a:p>
+        </p:txBody>
+      </p:sp>
+    </p:spTree>
+    <p:extLst>
+      <p:ext uri="{BB962C8B-B14F-4D97-AF65-F5344CB8AC3E}">
+        <p14:creationId xmlns:p14="http://schemas.microsoft.com/office/powerpoint/2010/main" val="617102863"/>
       </p:ext>
     </p:extLst>
   </p:cSld>
@@ -5398,6 +5911,720 @@
     <p:extLst>
       <p:ext uri="{BB962C8B-B14F-4D97-AF65-F5344CB8AC3E}">
         <p14:creationId xmlns:p14="http://schemas.microsoft.com/office/powerpoint/2010/main" val="3223337778"/>
+      </p:ext>
+    </p:extLst>
+  </p:cSld>
+  <p:clrMapOvr>
+    <a:masterClrMapping/>
+  </p:clrMapOvr>
+  <p:transition>
+    <p:fade/>
+  </p:transition>
+</p:sld>
+</file>
+
+<file path=ppt/slides/slide20.xml><?xml version="1.0" encoding="utf-8"?>
+<p:sld xmlns:a="http://schemas.openxmlformats.org/drawingml/2006/main" xmlns:r="http://schemas.openxmlformats.org/officeDocument/2006/relationships" xmlns:p="http://schemas.openxmlformats.org/presentationml/2006/main">
+  <p:cSld>
+    <p:spTree>
+      <p:nvGrpSpPr>
+        <p:cNvPr id="1" name=""/>
+        <p:cNvGrpSpPr/>
+        <p:nvPr/>
+      </p:nvGrpSpPr>
+      <p:grpSpPr>
+        <a:xfrm>
+          <a:off x="0" y="0"/>
+          <a:ext cx="0" cy="0"/>
+          <a:chOff x="0" y="0"/>
+          <a:chExt cx="0" cy="0"/>
+        </a:xfrm>
+      </p:grpSpPr>
+      <p:sp>
+        <p:nvSpPr>
+          <p:cNvPr id="2" name="Title 1"/>
+          <p:cNvSpPr>
+            <a:spLocks noGrp="1"/>
+          </p:cNvSpPr>
+          <p:nvPr>
+            <p:ph type="title"/>
+          </p:nvPr>
+        </p:nvSpPr>
+        <p:spPr/>
+        <p:txBody>
+          <a:bodyPr/>
+          <a:lstStyle/>
+          <a:p>
+            <a:pPr algn="ctr"/>
+            <a:r>
+              <a:rPr lang="en-US" dirty="0" smtClean="0"/>
+              <a:t>WSS and US proof</a:t>
+            </a:r>
+            <a:endParaRPr lang="el-GR" dirty="0"/>
+          </a:p>
+        </p:txBody>
+      </p:sp>
+      <p:sp>
+        <p:nvSpPr>
+          <p:cNvPr id="3" name="Content Placeholder 2"/>
+          <p:cNvSpPr>
+            <a:spLocks noGrp="1"/>
+          </p:cNvSpPr>
+          <p:nvPr>
+            <p:ph idx="1"/>
+          </p:nvPr>
+        </p:nvSpPr>
+        <p:spPr/>
+        <p:txBody>
+          <a:bodyPr/>
+          <a:lstStyle/>
+          <a:p>
+            <a:r>
+              <a:rPr lang="en-US" dirty="0"/>
+              <a:t>Check if auto-correlation depends only on the time </a:t>
+            </a:r>
+            <a:r>
+              <a:rPr lang="en-US" dirty="0" smtClean="0"/>
+              <a:t>lag</a:t>
+            </a:r>
+          </a:p>
+          <a:p>
+            <a:r>
+              <a:rPr lang="en-US" dirty="0" smtClean="0"/>
+              <a:t>Sample mean and variance were found for both frequency and space</a:t>
+            </a:r>
+          </a:p>
+          <a:p>
+            <a:r>
+              <a:rPr lang="en-US" dirty="0" smtClean="0"/>
+              <a:t>For each element the cross-covariance matrix is found</a:t>
+            </a:r>
+          </a:p>
+          <a:p>
+            <a:r>
+              <a:rPr lang="en-US" dirty="0" smtClean="0"/>
+              <a:t>The variance across the diagonal elements is close to zero and depends only on time lag</a:t>
+            </a:r>
+          </a:p>
+          <a:p>
+            <a:r>
+              <a:rPr lang="en-US" dirty="0" smtClean="0"/>
+              <a:t>A higher diagonal variance in the spatial domain indicates a dominant component in the signal</a:t>
+            </a:r>
+          </a:p>
+          <a:p>
+            <a:r>
+              <a:rPr lang="en-US" dirty="0" smtClean="0"/>
+              <a:t>Still work under the assumption that both domains are stationary</a:t>
+            </a:r>
+          </a:p>
+          <a:p>
+            <a:endParaRPr lang="en-US" dirty="0" smtClean="0"/>
+          </a:p>
+          <a:p>
+            <a:endParaRPr lang="en-US" dirty="0" smtClean="0"/>
+          </a:p>
+          <a:p>
+            <a:endParaRPr lang="el-GR" dirty="0"/>
+          </a:p>
+        </p:txBody>
+      </p:sp>
+    </p:spTree>
+    <p:extLst>
+      <p:ext uri="{BB962C8B-B14F-4D97-AF65-F5344CB8AC3E}">
+        <p14:creationId xmlns:p14="http://schemas.microsoft.com/office/powerpoint/2010/main" val="2375614320"/>
+      </p:ext>
+    </p:extLst>
+  </p:cSld>
+  <p:clrMapOvr>
+    <a:masterClrMapping/>
+  </p:clrMapOvr>
+  <p:transition>
+    <p:fade/>
+  </p:transition>
+</p:sld>
+</file>
+
+<file path=ppt/slides/slide21.xml><?xml version="1.0" encoding="utf-8"?>
+<p:sld xmlns:a="http://schemas.openxmlformats.org/drawingml/2006/main" xmlns:r="http://schemas.openxmlformats.org/officeDocument/2006/relationships" xmlns:p="http://schemas.openxmlformats.org/presentationml/2006/main">
+  <p:cSld>
+    <p:spTree>
+      <p:nvGrpSpPr>
+        <p:cNvPr id="1" name=""/>
+        <p:cNvGrpSpPr/>
+        <p:nvPr/>
+      </p:nvGrpSpPr>
+      <p:grpSpPr>
+        <a:xfrm>
+          <a:off x="0" y="0"/>
+          <a:ext cx="0" cy="0"/>
+          <a:chOff x="0" y="0"/>
+          <a:chExt cx="0" cy="0"/>
+        </a:xfrm>
+      </p:grpSpPr>
+      <p:sp>
+        <p:nvSpPr>
+          <p:cNvPr id="2" name="Title 1"/>
+          <p:cNvSpPr>
+            <a:spLocks noGrp="1"/>
+          </p:cNvSpPr>
+          <p:nvPr>
+            <p:ph type="title"/>
+          </p:nvPr>
+        </p:nvSpPr>
+        <p:spPr/>
+        <p:txBody>
+          <a:bodyPr/>
+          <a:lstStyle/>
+          <a:p>
+            <a:pPr algn="ctr"/>
+            <a:r>
+              <a:rPr lang="en-US" dirty="0" smtClean="0"/>
+              <a:t>Verification of the Phase</a:t>
+            </a:r>
+            <a:endParaRPr lang="el-GR" dirty="0"/>
+          </a:p>
+        </p:txBody>
+      </p:sp>
+      <p:sp>
+        <p:nvSpPr>
+          <p:cNvPr id="3" name="Content Placeholder 2"/>
+          <p:cNvSpPr>
+            <a:spLocks noGrp="1"/>
+          </p:cNvSpPr>
+          <p:nvPr>
+            <p:ph idx="1"/>
+          </p:nvPr>
+        </p:nvSpPr>
+        <p:spPr/>
+        <p:txBody>
+          <a:bodyPr/>
+          <a:lstStyle/>
+          <a:p>
+            <a:r>
+              <a:rPr lang="en-US" dirty="0" smtClean="0"/>
+              <a:t>Uniformly distributed (insert picture)</a:t>
+            </a:r>
+          </a:p>
+          <a:p>
+            <a:endParaRPr lang="el-GR" dirty="0"/>
+          </a:p>
+        </p:txBody>
+      </p:sp>
+    </p:spTree>
+    <p:extLst>
+      <p:ext uri="{BB962C8B-B14F-4D97-AF65-F5344CB8AC3E}">
+        <p14:creationId xmlns:p14="http://schemas.microsoft.com/office/powerpoint/2010/main" val="2505274136"/>
+      </p:ext>
+    </p:extLst>
+  </p:cSld>
+  <p:clrMapOvr>
+    <a:masterClrMapping/>
+  </p:clrMapOvr>
+  <p:transition>
+    <p:fade/>
+  </p:transition>
+</p:sld>
+</file>
+
+<file path=ppt/slides/slide22.xml><?xml version="1.0" encoding="utf-8"?>
+<p:sld xmlns:a="http://schemas.openxmlformats.org/drawingml/2006/main" xmlns:r="http://schemas.openxmlformats.org/officeDocument/2006/relationships" xmlns:p="http://schemas.openxmlformats.org/presentationml/2006/main">
+  <p:cSld>
+    <p:spTree>
+      <p:nvGrpSpPr>
+        <p:cNvPr id="1" name=""/>
+        <p:cNvGrpSpPr/>
+        <p:nvPr/>
+      </p:nvGrpSpPr>
+      <p:grpSpPr>
+        <a:xfrm>
+          <a:off x="0" y="0"/>
+          <a:ext cx="0" cy="0"/>
+          <a:chOff x="0" y="0"/>
+          <a:chExt cx="0" cy="0"/>
+        </a:xfrm>
+      </p:grpSpPr>
+      <p:sp>
+        <p:nvSpPr>
+          <p:cNvPr id="2" name="Title 1"/>
+          <p:cNvSpPr>
+            <a:spLocks noGrp="1"/>
+          </p:cNvSpPr>
+          <p:nvPr>
+            <p:ph type="title"/>
+          </p:nvPr>
+        </p:nvSpPr>
+        <p:spPr/>
+        <p:txBody>
+          <a:bodyPr/>
+          <a:lstStyle/>
+          <a:p>
+            <a:pPr algn="ctr"/>
+            <a:r>
+              <a:rPr lang="en-US" dirty="0" smtClean="0"/>
+              <a:t>Frequency , Antenna and space correlation</a:t>
+            </a:r>
+            <a:endParaRPr lang="el-GR" dirty="0"/>
+          </a:p>
+        </p:txBody>
+      </p:sp>
+      <p:sp>
+        <p:nvSpPr>
+          <p:cNvPr id="3" name="Content Placeholder 2"/>
+          <p:cNvSpPr>
+            <a:spLocks noGrp="1"/>
+          </p:cNvSpPr>
+          <p:nvPr>
+            <p:ph idx="1"/>
+          </p:nvPr>
+        </p:nvSpPr>
+        <p:spPr/>
+        <p:txBody>
+          <a:bodyPr/>
+          <a:lstStyle/>
+          <a:p>
+            <a:r>
+              <a:rPr lang="en-US" dirty="0" smtClean="0"/>
+              <a:t>Correlation &lt; 0.3 is considered uncorrelated.</a:t>
+            </a:r>
+          </a:p>
+          <a:p>
+            <a:r>
+              <a:rPr lang="en-US" dirty="0" smtClean="0"/>
+              <a:t>(insert figure 8.7)</a:t>
+            </a:r>
+          </a:p>
+          <a:p>
+            <a:r>
+              <a:rPr lang="en-US" dirty="0" smtClean="0"/>
+              <a:t>Antenna’s and frequency’s samples are uncorrelated</a:t>
+            </a:r>
+          </a:p>
+          <a:p>
+            <a:r>
+              <a:rPr lang="en-US" dirty="0" smtClean="0"/>
+              <a:t>Space samples are too correlated with correlation of 0.45</a:t>
+            </a:r>
+            <a:endParaRPr lang="en-US" dirty="0"/>
+          </a:p>
+          <a:p>
+            <a:r>
+              <a:rPr lang="en-US" dirty="0" smtClean="0"/>
+              <a:t>Cause of this could be slow movement or the </a:t>
+            </a:r>
+            <a:r>
+              <a:rPr lang="en-US" dirty="0" err="1" smtClean="0"/>
+              <a:t>stationarity</a:t>
+            </a:r>
+            <a:r>
+              <a:rPr lang="en-US" dirty="0" smtClean="0"/>
+              <a:t> issue in space</a:t>
+            </a:r>
+          </a:p>
+          <a:p>
+            <a:r>
+              <a:rPr lang="en-US" dirty="0" smtClean="0"/>
+              <a:t>The way to fix it was to remove samples from the sample pool</a:t>
+            </a:r>
+          </a:p>
+          <a:p>
+            <a:r>
+              <a:rPr lang="en-US" dirty="0" smtClean="0"/>
+              <a:t>Every other sample was removed giving a correlation of 0.165</a:t>
+            </a:r>
+          </a:p>
+          <a:p>
+            <a:endParaRPr lang="el-GR" dirty="0"/>
+          </a:p>
+        </p:txBody>
+      </p:sp>
+    </p:spTree>
+    <p:extLst>
+      <p:ext uri="{BB962C8B-B14F-4D97-AF65-F5344CB8AC3E}">
+        <p14:creationId xmlns:p14="http://schemas.microsoft.com/office/powerpoint/2010/main" val="2948796226"/>
+      </p:ext>
+    </p:extLst>
+  </p:cSld>
+  <p:clrMapOvr>
+    <a:masterClrMapping/>
+  </p:clrMapOvr>
+  <p:transition>
+    <p:fade/>
+  </p:transition>
+</p:sld>
+</file>
+
+<file path=ppt/slides/slide23.xml><?xml version="1.0" encoding="utf-8"?>
+<p:sld xmlns:a="http://schemas.openxmlformats.org/drawingml/2006/main" xmlns:r="http://schemas.openxmlformats.org/officeDocument/2006/relationships" xmlns:p="http://schemas.openxmlformats.org/presentationml/2006/main">
+  <p:cSld>
+    <p:spTree>
+      <p:nvGrpSpPr>
+        <p:cNvPr id="1" name=""/>
+        <p:cNvGrpSpPr/>
+        <p:nvPr/>
+      </p:nvGrpSpPr>
+      <p:grpSpPr>
+        <a:xfrm>
+          <a:off x="0" y="0"/>
+          <a:ext cx="0" cy="0"/>
+          <a:chOff x="0" y="0"/>
+          <a:chExt cx="0" cy="0"/>
+        </a:xfrm>
+      </p:grpSpPr>
+      <p:sp>
+        <p:nvSpPr>
+          <p:cNvPr id="2" name="Title 1"/>
+          <p:cNvSpPr>
+            <a:spLocks noGrp="1"/>
+          </p:cNvSpPr>
+          <p:nvPr>
+            <p:ph type="title"/>
+          </p:nvPr>
+        </p:nvSpPr>
+        <p:spPr/>
+        <p:txBody>
+          <a:bodyPr/>
+          <a:lstStyle/>
+          <a:p>
+            <a:pPr algn="ctr"/>
+            <a:r>
+              <a:rPr lang="en-US" dirty="0" smtClean="0"/>
+              <a:t>Results</a:t>
+            </a:r>
+            <a:endParaRPr lang="el-GR" dirty="0"/>
+          </a:p>
+        </p:txBody>
+      </p:sp>
+      <p:sp>
+        <p:nvSpPr>
+          <p:cNvPr id="3" name="Content Placeholder 2"/>
+          <p:cNvSpPr>
+            <a:spLocks noGrp="1"/>
+          </p:cNvSpPr>
+          <p:nvPr>
+            <p:ph idx="1"/>
+          </p:nvPr>
+        </p:nvSpPr>
+        <p:spPr/>
+        <p:txBody>
+          <a:bodyPr/>
+          <a:lstStyle/>
+          <a:p>
+            <a:r>
+              <a:rPr lang="en-US" dirty="0" smtClean="0"/>
+              <a:t>Because of the lower sample size of 2,902,230 the confidence interval is increased to </a:t>
+            </a:r>
+            <a:r>
+              <a:rPr lang="el-GR" dirty="0" smtClean="0"/>
+              <a:t>±</a:t>
+            </a:r>
+            <a:r>
+              <a:rPr lang="en-US" dirty="0" smtClean="0"/>
+              <a:t>1.33dB</a:t>
+            </a:r>
+          </a:p>
+          <a:p>
+            <a:r>
+              <a:rPr lang="en-US" dirty="0" smtClean="0"/>
+              <a:t>10,000 bootstraps (insert figure 8.9)</a:t>
+            </a:r>
+          </a:p>
+          <a:p>
+            <a:r>
+              <a:rPr lang="en-US" dirty="0" smtClean="0"/>
+              <a:t>-51.59dB fading gain with </a:t>
+            </a:r>
+            <a:r>
+              <a:rPr lang="el-GR" dirty="0" smtClean="0"/>
+              <a:t>±</a:t>
+            </a:r>
+            <a:r>
+              <a:rPr lang="en-US" dirty="0" smtClean="0"/>
+              <a:t>1.37dB interval</a:t>
+            </a:r>
+          </a:p>
+          <a:p>
+            <a:endParaRPr lang="el-GR" dirty="0"/>
+          </a:p>
+        </p:txBody>
+      </p:sp>
+    </p:spTree>
+    <p:extLst>
+      <p:ext uri="{BB962C8B-B14F-4D97-AF65-F5344CB8AC3E}">
+        <p14:creationId xmlns:p14="http://schemas.microsoft.com/office/powerpoint/2010/main" val="1161698606"/>
+      </p:ext>
+    </p:extLst>
+  </p:cSld>
+  <p:clrMapOvr>
+    <a:masterClrMapping/>
+  </p:clrMapOvr>
+  <p:transition>
+    <p:fade/>
+  </p:transition>
+</p:sld>
+</file>
+
+<file path=ppt/slides/slide24.xml><?xml version="1.0" encoding="utf-8"?>
+<p:sld xmlns:a="http://schemas.openxmlformats.org/drawingml/2006/main" xmlns:r="http://schemas.openxmlformats.org/officeDocument/2006/relationships" xmlns:p="http://schemas.openxmlformats.org/presentationml/2006/main">
+  <p:cSld>
+    <p:spTree>
+      <p:nvGrpSpPr>
+        <p:cNvPr id="1" name=""/>
+        <p:cNvGrpSpPr/>
+        <p:nvPr/>
+      </p:nvGrpSpPr>
+      <p:grpSpPr>
+        <a:xfrm>
+          <a:off x="0" y="0"/>
+          <a:ext cx="0" cy="0"/>
+          <a:chOff x="0" y="0"/>
+          <a:chExt cx="0" cy="0"/>
+        </a:xfrm>
+      </p:grpSpPr>
+      <p:sp>
+        <p:nvSpPr>
+          <p:cNvPr id="2" name="Title 1"/>
+          <p:cNvSpPr>
+            <a:spLocks noGrp="1"/>
+          </p:cNvSpPr>
+          <p:nvPr>
+            <p:ph type="title"/>
+          </p:nvPr>
+        </p:nvSpPr>
+        <p:spPr/>
+        <p:txBody>
+          <a:bodyPr/>
+          <a:lstStyle/>
+          <a:p>
+            <a:pPr algn="ctr"/>
+            <a:r>
+              <a:rPr lang="en-US" dirty="0" smtClean="0"/>
+              <a:t>Results</a:t>
+            </a:r>
+            <a:endParaRPr lang="el-GR" dirty="0"/>
+          </a:p>
+        </p:txBody>
+      </p:sp>
+      <p:sp>
+        <p:nvSpPr>
+          <p:cNvPr id="3" name="Content Placeholder 2"/>
+          <p:cNvSpPr>
+            <a:spLocks noGrp="1"/>
+          </p:cNvSpPr>
+          <p:nvPr>
+            <p:ph idx="1"/>
+          </p:nvPr>
+        </p:nvSpPr>
+        <p:spPr/>
+        <p:txBody>
+          <a:bodyPr/>
+          <a:lstStyle/>
+          <a:p>
+            <a:r>
+              <a:rPr lang="en-US" dirty="0" smtClean="0"/>
+              <a:t>Relative error of the measurements compared to the Rayleigh fading model.</a:t>
+            </a:r>
+          </a:p>
+          <a:p>
+            <a:r>
+              <a:rPr lang="en-US" dirty="0" smtClean="0"/>
+              <a:t>(insert figure 8.10)</a:t>
+            </a:r>
+          </a:p>
+          <a:p>
+            <a:endParaRPr lang="en-US" dirty="0" smtClean="0"/>
+          </a:p>
+          <a:p>
+            <a:endParaRPr lang="el-GR" dirty="0"/>
+          </a:p>
+        </p:txBody>
+      </p:sp>
+    </p:spTree>
+    <p:extLst>
+      <p:ext uri="{BB962C8B-B14F-4D97-AF65-F5344CB8AC3E}">
+        <p14:creationId xmlns:p14="http://schemas.microsoft.com/office/powerpoint/2010/main" val="4241145195"/>
+      </p:ext>
+    </p:extLst>
+  </p:cSld>
+  <p:clrMapOvr>
+    <a:masterClrMapping/>
+  </p:clrMapOvr>
+  <p:transition>
+    <p:fade/>
+  </p:transition>
+</p:sld>
+</file>
+
+<file path=ppt/slides/slide25.xml><?xml version="1.0" encoding="utf-8"?>
+<p:sld xmlns:a="http://schemas.openxmlformats.org/drawingml/2006/main" xmlns:r="http://schemas.openxmlformats.org/officeDocument/2006/relationships" xmlns:p="http://schemas.openxmlformats.org/presentationml/2006/main">
+  <p:cSld>
+    <p:spTree>
+      <p:nvGrpSpPr>
+        <p:cNvPr id="1" name=""/>
+        <p:cNvGrpSpPr/>
+        <p:nvPr/>
+      </p:nvGrpSpPr>
+      <p:grpSpPr>
+        <a:xfrm>
+          <a:off x="0" y="0"/>
+          <a:ext cx="0" cy="0"/>
+          <a:chOff x="0" y="0"/>
+          <a:chExt cx="0" cy="0"/>
+        </a:xfrm>
+      </p:grpSpPr>
+      <p:sp>
+        <p:nvSpPr>
+          <p:cNvPr id="2" name="Title 1"/>
+          <p:cNvSpPr>
+            <a:spLocks noGrp="1"/>
+          </p:cNvSpPr>
+          <p:nvPr>
+            <p:ph type="title"/>
+          </p:nvPr>
+        </p:nvSpPr>
+        <p:spPr/>
+        <p:txBody>
+          <a:bodyPr/>
+          <a:lstStyle/>
+          <a:p>
+            <a:pPr algn="ctr"/>
+            <a:r>
+              <a:rPr lang="en-US" dirty="0" smtClean="0"/>
+              <a:t>Diversity Combining</a:t>
+            </a:r>
+            <a:endParaRPr lang="el-GR" dirty="0"/>
+          </a:p>
+        </p:txBody>
+      </p:sp>
+      <p:sp>
+        <p:nvSpPr>
+          <p:cNvPr id="3" name="Content Placeholder 2"/>
+          <p:cNvSpPr>
+            <a:spLocks noGrp="1"/>
+          </p:cNvSpPr>
+          <p:nvPr>
+            <p:ph idx="1"/>
+          </p:nvPr>
+        </p:nvSpPr>
+        <p:spPr/>
+        <p:txBody>
+          <a:bodyPr/>
+          <a:lstStyle/>
+          <a:p>
+            <a:r>
+              <a:rPr lang="en-US" dirty="0" smtClean="0"/>
+              <a:t>Looking at different diversity orders </a:t>
+            </a:r>
+          </a:p>
+          <a:p>
+            <a:r>
+              <a:rPr lang="en-US" dirty="0" smtClean="0"/>
+              <a:t>Combining frequency and antenna diversity</a:t>
+            </a:r>
+          </a:p>
+          <a:p>
+            <a:r>
+              <a:rPr lang="en-US" dirty="0" smtClean="0"/>
+              <a:t>(insert picture with different diversity orders for frequency)</a:t>
+            </a:r>
+          </a:p>
+          <a:p>
+            <a:r>
+              <a:rPr lang="en-US" dirty="0" smtClean="0"/>
+              <a:t>(insert picture for combined )</a:t>
+            </a:r>
+          </a:p>
+          <a:p>
+            <a:r>
+              <a:rPr lang="en-US" dirty="0" smtClean="0"/>
+              <a:t>Diminishing returns of diversity order &gt; 4</a:t>
+            </a:r>
+          </a:p>
+          <a:p>
+            <a:endParaRPr lang="en-US" dirty="0" smtClean="0"/>
+          </a:p>
+        </p:txBody>
+      </p:sp>
+    </p:spTree>
+    <p:extLst>
+      <p:ext uri="{BB962C8B-B14F-4D97-AF65-F5344CB8AC3E}">
+        <p14:creationId xmlns:p14="http://schemas.microsoft.com/office/powerpoint/2010/main" val="2335081033"/>
+      </p:ext>
+    </p:extLst>
+  </p:cSld>
+  <p:clrMapOvr>
+    <a:masterClrMapping/>
+  </p:clrMapOvr>
+  <p:transition>
+    <p:fade/>
+  </p:transition>
+</p:sld>
+</file>
+
+<file path=ppt/slides/slide26.xml><?xml version="1.0" encoding="utf-8"?>
+<p:sld xmlns:a="http://schemas.openxmlformats.org/drawingml/2006/main" xmlns:r="http://schemas.openxmlformats.org/officeDocument/2006/relationships" xmlns:p="http://schemas.openxmlformats.org/presentationml/2006/main">
+  <p:cSld>
+    <p:spTree>
+      <p:nvGrpSpPr>
+        <p:cNvPr id="1" name=""/>
+        <p:cNvGrpSpPr/>
+        <p:nvPr/>
+      </p:nvGrpSpPr>
+      <p:grpSpPr>
+        <a:xfrm>
+          <a:off x="0" y="0"/>
+          <a:ext cx="0" cy="0"/>
+          <a:chOff x="0" y="0"/>
+          <a:chExt cx="0" cy="0"/>
+        </a:xfrm>
+      </p:grpSpPr>
+      <p:sp>
+        <p:nvSpPr>
+          <p:cNvPr id="2" name="Title 1"/>
+          <p:cNvSpPr>
+            <a:spLocks noGrp="1"/>
+          </p:cNvSpPr>
+          <p:nvPr>
+            <p:ph type="title"/>
+          </p:nvPr>
+        </p:nvSpPr>
+        <p:spPr/>
+        <p:txBody>
+          <a:bodyPr/>
+          <a:lstStyle/>
+          <a:p>
+            <a:pPr algn="ctr"/>
+            <a:r>
+              <a:rPr lang="en-US" dirty="0" smtClean="0"/>
+              <a:t>Uncertainties</a:t>
+            </a:r>
+            <a:endParaRPr lang="el-GR" dirty="0"/>
+          </a:p>
+        </p:txBody>
+      </p:sp>
+      <p:sp>
+        <p:nvSpPr>
+          <p:cNvPr id="3" name="Content Placeholder 2"/>
+          <p:cNvSpPr>
+            <a:spLocks noGrp="1"/>
+          </p:cNvSpPr>
+          <p:nvPr>
+            <p:ph idx="1"/>
+          </p:nvPr>
+        </p:nvSpPr>
+        <p:spPr/>
+        <p:txBody>
+          <a:bodyPr/>
+          <a:lstStyle/>
+          <a:p>
+            <a:endParaRPr lang="el-GR" dirty="0"/>
+          </a:p>
+        </p:txBody>
+      </p:sp>
+    </p:spTree>
+    <p:extLst>
+      <p:ext uri="{BB962C8B-B14F-4D97-AF65-F5344CB8AC3E}">
+        <p14:creationId xmlns:p14="http://schemas.microsoft.com/office/powerpoint/2010/main" val="1851428796"/>
       </p:ext>
     </p:extLst>
   </p:cSld>
@@ -5586,7 +6813,15 @@
           <a:p>
             <a:r>
               <a:rPr lang="en-US" dirty="0" smtClean="0"/>
-              <a:t>Sufficient Dynamic Rage to see the deep fades.</a:t>
+              <a:t>Sufficient Dynamic </a:t>
+            </a:r>
+            <a:r>
+              <a:rPr lang="en-US" dirty="0" smtClean="0"/>
+              <a:t>Range </a:t>
+            </a:r>
+            <a:r>
+              <a:rPr lang="en-US" dirty="0" smtClean="0"/>
+              <a:t>to see the deep fades.</a:t>
             </a:r>
           </a:p>
           <a:p>

--- a/ppt/premature ppt.pptx
+++ b/ppt/premature ppt.pptx
@@ -217,7 +217,7 @@
           <a:p>
             <a:fld id="{27EAA7B7-9729-4998-A735-980F4A67C550}" type="datetimeFigureOut">
               <a:rPr lang="da-DK" smtClean="0"/>
-              <a:t>14-06-2017</a:t>
+              <a:t>15-06-2017</a:t>
             </a:fld>
             <a:endParaRPr lang="da-DK"/>
           </a:p>
@@ -649,7 +649,7 @@
           <a:p>
             <a:fld id="{9E7A4F2D-3E4C-4B5D-BE90-617E350CBCB0}" type="datetime1">
               <a:rPr lang="en-US" smtClean="0"/>
-              <a:t>6/14/2017</a:t>
+              <a:t>6/15/2017</a:t>
             </a:fld>
             <a:endParaRPr lang="da-DK"/>
           </a:p>
@@ -1101,7 +1101,7 @@
           <a:p>
             <a:fld id="{59811876-57C1-4E57-B3D5-811D4A7749BD}" type="datetime1">
               <a:rPr lang="en-US" smtClean="0"/>
-              <a:t>6/14/2017</a:t>
+              <a:t>6/15/2017</a:t>
             </a:fld>
             <a:endParaRPr lang="da-DK"/>
           </a:p>
@@ -1276,7 +1276,7 @@
           <a:p>
             <a:fld id="{A027A2E2-4A97-4510-BCDE-7B7FE2925400}" type="datetime1">
               <a:rPr lang="en-US" smtClean="0"/>
-              <a:t>6/14/2017</a:t>
+              <a:t>6/15/2017</a:t>
             </a:fld>
             <a:endParaRPr lang="da-DK"/>
           </a:p>
@@ -1543,7 +1543,7 @@
           <a:p>
             <a:fld id="{48E127FB-E98B-4846-B79F-E8A32E28DB0F}" type="datetime1">
               <a:rPr lang="en-US" smtClean="0"/>
-              <a:t>6/14/2017</a:t>
+              <a:t>6/15/2017</a:t>
             </a:fld>
             <a:endParaRPr lang="da-DK"/>
           </a:p>
@@ -1759,7 +1759,7 @@
           <a:p>
             <a:fld id="{04595749-9A07-4D32-9BA1-70B5CAE1178C}" type="datetime1">
               <a:rPr lang="en-US" smtClean="0"/>
-              <a:t>6/14/2017</a:t>
+              <a:t>6/15/2017</a:t>
             </a:fld>
             <a:endParaRPr lang="da-DK"/>
           </a:p>
@@ -1875,7 +1875,7 @@
           <a:p>
             <a:fld id="{2036BE53-6C39-4C63-9F8D-3493893D403B}" type="datetime1">
               <a:rPr lang="en-US" smtClean="0"/>
-              <a:t>6/14/2017</a:t>
+              <a:t>6/15/2017</a:t>
             </a:fld>
             <a:endParaRPr lang="da-DK"/>
           </a:p>
@@ -2134,7 +2134,7 @@
           <a:p>
             <a:fld id="{0775C8BB-F69C-41F0-97E2-212D172D3B53}" type="datetime1">
               <a:rPr lang="en-US" smtClean="0"/>
-              <a:t>6/14/2017</a:t>
+              <a:t>6/15/2017</a:t>
             </a:fld>
             <a:endParaRPr lang="da-DK" dirty="0"/>
           </a:p>
@@ -2473,7 +2473,7 @@
           <a:p>
             <a:fld id="{E70A62B0-E7E2-4CF5-913E-3C1EE37363B7}" type="datetime1">
               <a:rPr lang="en-US" smtClean="0"/>
-              <a:t>6/14/2017</a:t>
+              <a:t>6/15/2017</a:t>
             </a:fld>
             <a:endParaRPr lang="da-DK"/>
           </a:p>
@@ -2594,7 +2594,7 @@
           <a:p>
             <a:fld id="{8E2A3FD1-DFEE-478F-8764-EA4A12E6E420}" type="datetime1">
               <a:rPr lang="en-US" smtClean="0"/>
-              <a:t>6/14/2017</a:t>
+              <a:t>6/15/2017</a:t>
             </a:fld>
             <a:endParaRPr lang="da-DK"/>
           </a:p>
@@ -3049,7 +3049,7 @@
           <a:p>
             <a:fld id="{87613CBE-7DAD-4AD6-A447-AE25CEF4DF49}" type="datetime1">
               <a:rPr lang="en-US" smtClean="0"/>
-              <a:t>6/14/2017</a:t>
+              <a:t>6/15/2017</a:t>
             </a:fld>
             <a:endParaRPr lang="da-DK"/>
           </a:p>
@@ -3426,7 +3426,7 @@
           <a:p>
             <a:fld id="{D0C2A6F4-40AE-463F-85E5-665BB46F1CBB}" type="datetime1">
               <a:rPr lang="en-US" smtClean="0"/>
-              <a:t>6/14/2017</a:t>
+              <a:t>6/15/2017</a:t>
             </a:fld>
             <a:endParaRPr lang="da-DK"/>
           </a:p>
@@ -3512,7 +3512,7 @@
           <a:p>
             <a:fld id="{9D8E1AC8-7F67-46F6-B557-46F7F820EB38}" type="datetime1">
               <a:rPr lang="en-US" smtClean="0"/>
-              <a:t>6/14/2017</a:t>
+              <a:t>6/15/2017</a:t>
             </a:fld>
             <a:endParaRPr lang="da-DK"/>
           </a:p>
@@ -3716,7 +3716,7 @@
           <a:p>
             <a:fld id="{794A86D9-E5D1-499F-92A5-9D5B7169092D}" type="datetime1">
               <a:rPr lang="en-US" smtClean="0"/>
-              <a:t>6/14/2017</a:t>
+              <a:t>6/15/2017</a:t>
             </a:fld>
             <a:endParaRPr lang="da-DK"/>
           </a:p>
@@ -4050,7 +4050,7 @@
           <a:p>
             <a:fld id="{A355CBA8-7D2E-46F8-A8E5-BD7BACFEDE84}" type="datetime1">
               <a:rPr lang="en-US" smtClean="0"/>
-              <a:t>6/14/2017</a:t>
+              <a:t>6/15/2017</a:t>
             </a:fld>
             <a:endParaRPr lang="da-DK" dirty="0"/>
           </a:p>
@@ -4685,31 +4685,31 @@
             </a:r>
           </a:p>
           <a:p>
-            <a:r>
-              <a:rPr lang="en-US" dirty="0" smtClean="0"/>
-              <a:t>(insert </a:t>
-            </a:r>
-            <a:r>
-              <a:rPr lang="en-US" dirty="0" err="1" smtClean="0"/>
-              <a:t>bessel</a:t>
-            </a:r>
-            <a:r>
-              <a:rPr lang="en-US" dirty="0" smtClean="0"/>
-              <a:t> function </a:t>
-            </a:r>
-            <a:r>
-              <a:rPr lang="en-US" dirty="0" err="1" smtClean="0"/>
-              <a:t>vs</a:t>
-            </a:r>
-            <a:r>
-              <a:rPr lang="en-US" dirty="0" smtClean="0"/>
-              <a:t> wavelength picture)</a:t>
-            </a:r>
-          </a:p>
-          <a:p>
-            <a:r>
-              <a:rPr lang="en-US" dirty="0" smtClean="0"/>
-              <a:t>Uncorrelated samples 0.38</a:t>
+            <a:endParaRPr lang="en-US" dirty="0" smtClean="0"/>
+          </a:p>
+          <a:p>
+            <a:endParaRPr lang="en-US" dirty="0"/>
+          </a:p>
+          <a:p>
+            <a:endParaRPr lang="en-US" dirty="0" smtClean="0"/>
+          </a:p>
+          <a:p>
+            <a:endParaRPr lang="en-US" dirty="0"/>
+          </a:p>
+          <a:p>
+            <a:endParaRPr lang="en-US" dirty="0" smtClean="0"/>
+          </a:p>
+          <a:p>
+            <a:endParaRPr lang="en-US" dirty="0"/>
+          </a:p>
+          <a:p>
+            <a:r>
+              <a:rPr lang="en-US" dirty="0" smtClean="0"/>
+              <a:t>Uncorrelated </a:t>
+            </a:r>
+            <a:r>
+              <a:rPr lang="en-US" dirty="0" smtClean="0"/>
+              <a:t>samples 0.38</a:t>
             </a:r>
             <a:r>
               <a:rPr lang="el-GR" dirty="0" smtClean="0"/>
@@ -4725,6 +4725,66 @@
           </a:p>
         </p:txBody>
       </p:sp>
+      <p:pic>
+        <p:nvPicPr>
+          <p:cNvPr id="4" name="Picture 3"/>
+          <p:cNvPicPr>
+            <a:picLocks noChangeAspect="1"/>
+          </p:cNvPicPr>
+          <p:nvPr/>
+        </p:nvPicPr>
+        <p:blipFill>
+          <a:blip r:embed="rId2" cstate="print">
+            <a:extLst>
+              <a:ext uri="{28A0092B-C50C-407E-A947-70E740481C1C}">
+                <a14:useLocalDpi xmlns:a14="http://schemas.microsoft.com/office/drawing/2010/main" val="0"/>
+              </a:ext>
+            </a:extLst>
+          </a:blip>
+          <a:stretch>
+            <a:fillRect/>
+          </a:stretch>
+        </p:blipFill>
+        <p:spPr>
+          <a:xfrm>
+            <a:off x="4139952" y="2420888"/>
+            <a:ext cx="3091013" cy="2370432"/>
+          </a:xfrm>
+          <a:prstGeom prst="rect">
+            <a:avLst/>
+          </a:prstGeom>
+        </p:spPr>
+      </p:pic>
+      <p:pic>
+        <p:nvPicPr>
+          <p:cNvPr id="6" name="Picture 5"/>
+          <p:cNvPicPr>
+            <a:picLocks noChangeAspect="1"/>
+          </p:cNvPicPr>
+          <p:nvPr/>
+        </p:nvPicPr>
+        <p:blipFill>
+          <a:blip r:embed="rId3">
+            <a:extLst>
+              <a:ext uri="{28A0092B-C50C-407E-A947-70E740481C1C}">
+                <a14:useLocalDpi xmlns:a14="http://schemas.microsoft.com/office/drawing/2010/main" val="0"/>
+              </a:ext>
+            </a:extLst>
+          </a:blip>
+          <a:stretch>
+            <a:fillRect/>
+          </a:stretch>
+        </p:blipFill>
+        <p:spPr>
+          <a:xfrm>
+            <a:off x="1043608" y="2706006"/>
+            <a:ext cx="2088232" cy="561353"/>
+          </a:xfrm>
+          <a:prstGeom prst="rect">
+            <a:avLst/>
+          </a:prstGeom>
+        </p:spPr>
+      </p:pic>
     </p:spTree>
     <p:extLst>
       <p:ext uri="{BB962C8B-B14F-4D97-AF65-F5344CB8AC3E}">
@@ -4809,15 +4869,31 @@
             </a:r>
           </a:p>
           <a:p>
-            <a:r>
-              <a:rPr lang="en-US" dirty="0" smtClean="0"/>
-              <a:t>(insert picture of FCF)</a:t>
-            </a:r>
-          </a:p>
-          <a:p>
-            <a:r>
-              <a:rPr lang="en-US" dirty="0" smtClean="0"/>
-              <a:t>Small environment more </a:t>
+            <a:endParaRPr lang="en-US" dirty="0" smtClean="0"/>
+          </a:p>
+          <a:p>
+            <a:endParaRPr lang="en-US" dirty="0"/>
+          </a:p>
+          <a:p>
+            <a:endParaRPr lang="en-US" dirty="0" smtClean="0"/>
+          </a:p>
+          <a:p>
+            <a:endParaRPr lang="en-US" dirty="0"/>
+          </a:p>
+          <a:p>
+            <a:endParaRPr lang="en-US" dirty="0" smtClean="0"/>
+          </a:p>
+          <a:p>
+            <a:endParaRPr lang="en-US" dirty="0"/>
+          </a:p>
+          <a:p>
+            <a:r>
+              <a:rPr lang="en-US" dirty="0" smtClean="0"/>
+              <a:t>Small </a:t>
+            </a:r>
+            <a:r>
+              <a:rPr lang="en-US" dirty="0" smtClean="0"/>
+              <a:t>environment more </a:t>
             </a:r>
             <a:r>
               <a:rPr lang="el-GR" dirty="0" smtClean="0"/>
@@ -4850,6 +4926,66 @@
           </a:p>
         </p:txBody>
       </p:sp>
+      <p:pic>
+        <p:nvPicPr>
+          <p:cNvPr id="4" name="Picture 3"/>
+          <p:cNvPicPr>
+            <a:picLocks noChangeAspect="1"/>
+          </p:cNvPicPr>
+          <p:nvPr/>
+        </p:nvPicPr>
+        <p:blipFill>
+          <a:blip r:embed="rId2">
+            <a:extLst>
+              <a:ext uri="{28A0092B-C50C-407E-A947-70E740481C1C}">
+                <a14:useLocalDpi xmlns:a14="http://schemas.microsoft.com/office/drawing/2010/main" val="0"/>
+              </a:ext>
+            </a:extLst>
+          </a:blip>
+          <a:stretch>
+            <a:fillRect/>
+          </a:stretch>
+        </p:blipFill>
+        <p:spPr>
+          <a:xfrm>
+            <a:off x="4572000" y="1700808"/>
+            <a:ext cx="1616395" cy="665251"/>
+          </a:xfrm>
+          <a:prstGeom prst="rect">
+            <a:avLst/>
+          </a:prstGeom>
+        </p:spPr>
+      </p:pic>
+      <p:pic>
+        <p:nvPicPr>
+          <p:cNvPr id="5" name="Picture 4"/>
+          <p:cNvPicPr>
+            <a:picLocks noChangeAspect="1"/>
+          </p:cNvPicPr>
+          <p:nvPr/>
+        </p:nvPicPr>
+        <p:blipFill>
+          <a:blip r:embed="rId3" cstate="print">
+            <a:extLst>
+              <a:ext uri="{28A0092B-C50C-407E-A947-70E740481C1C}">
+                <a14:useLocalDpi xmlns:a14="http://schemas.microsoft.com/office/drawing/2010/main" val="0"/>
+              </a:ext>
+            </a:extLst>
+          </a:blip>
+          <a:stretch>
+            <a:fillRect/>
+          </a:stretch>
+        </p:blipFill>
+        <p:spPr>
+          <a:xfrm>
+            <a:off x="899592" y="2258676"/>
+            <a:ext cx="2448272" cy="1849806"/>
+          </a:xfrm>
+          <a:prstGeom prst="rect">
+            <a:avLst/>
+          </a:prstGeom>
+        </p:spPr>
+      </p:pic>
     </p:spTree>
     <p:extLst>
       <p:ext uri="{BB962C8B-B14F-4D97-AF65-F5344CB8AC3E}">
@@ -5297,11 +5433,7 @@
           <a:p>
             <a:r>
               <a:rPr lang="en-US" dirty="0" smtClean="0"/>
-              <a:t>(inser</a:t>
-            </a:r>
-            <a:r>
-              <a:rPr lang="en-US" dirty="0" smtClean="0"/>
-              <a:t>t picture of designed room)</a:t>
+              <a:t>(insert picture of designed room)</a:t>
             </a:r>
           </a:p>
           <a:p>
@@ -6813,15 +6945,7 @@
           <a:p>
             <a:r>
               <a:rPr lang="en-US" dirty="0" smtClean="0"/>
-              <a:t>Sufficient Dynamic </a:t>
-            </a:r>
-            <a:r>
-              <a:rPr lang="en-US" dirty="0" smtClean="0"/>
-              <a:t>Range </a:t>
-            </a:r>
-            <a:r>
-              <a:rPr lang="en-US" dirty="0" smtClean="0"/>
-              <a:t>to see the deep fades.</a:t>
+              <a:t>Sufficient Dynamic Range to see the deep fades.</a:t>
             </a:r>
           </a:p>
           <a:p>
@@ -7439,20 +7563,72 @@
             </a:r>
           </a:p>
           <a:p>
-            <a:r>
-              <a:rPr lang="en-US" dirty="0" smtClean="0"/>
-              <a:t>Joint autocorrelations(insert picture here)</a:t>
-            </a:r>
-          </a:p>
-          <a:p>
-            <a:r>
-              <a:rPr lang="en-US" dirty="0" smtClean="0"/>
-              <a:t>Independent domains</a:t>
+            <a:endParaRPr lang="en-US" dirty="0" smtClean="0"/>
+          </a:p>
+          <a:p>
+            <a:endParaRPr lang="en-US" dirty="0"/>
+          </a:p>
+          <a:p>
+            <a:endParaRPr lang="en-US" dirty="0" smtClean="0"/>
+          </a:p>
+          <a:p>
+            <a:endParaRPr lang="en-US" dirty="0"/>
+          </a:p>
+          <a:p>
+            <a:endParaRPr lang="en-US" dirty="0" smtClean="0"/>
+          </a:p>
+          <a:p>
+            <a:endParaRPr lang="en-US" dirty="0"/>
+          </a:p>
+          <a:p>
+            <a:endParaRPr lang="en-US" dirty="0" smtClean="0"/>
+          </a:p>
+          <a:p>
+            <a:endParaRPr lang="en-US" dirty="0"/>
+          </a:p>
+          <a:p>
+            <a:r>
+              <a:rPr lang="en-US" dirty="0" smtClean="0"/>
+              <a:t>Independent </a:t>
+            </a:r>
+            <a:r>
+              <a:rPr lang="en-US" dirty="0" smtClean="0"/>
+              <a:t>domains</a:t>
             </a:r>
             <a:endParaRPr lang="el-GR" dirty="0"/>
           </a:p>
         </p:txBody>
       </p:sp>
+      <p:pic>
+        <p:nvPicPr>
+          <p:cNvPr id="4" name="Picture 3"/>
+          <p:cNvPicPr>
+            <a:picLocks noChangeAspect="1"/>
+          </p:cNvPicPr>
+          <p:nvPr/>
+        </p:nvPicPr>
+        <p:blipFill>
+          <a:blip r:embed="rId2">
+            <a:extLst>
+              <a:ext uri="{28A0092B-C50C-407E-A947-70E740481C1C}">
+                <a14:useLocalDpi xmlns:a14="http://schemas.microsoft.com/office/drawing/2010/main" val="0"/>
+              </a:ext>
+            </a:extLst>
+          </a:blip>
+          <a:stretch>
+            <a:fillRect/>
+          </a:stretch>
+        </p:blipFill>
+        <p:spPr>
+          <a:xfrm>
+            <a:off x="683568" y="2708920"/>
+            <a:ext cx="4105848" cy="2267266"/>
+          </a:xfrm>
+          <a:prstGeom prst="rect">
+            <a:avLst/>
+          </a:prstGeom>
+        </p:spPr>
+      </p:pic>
     </p:spTree>
     <p:extLst>
       <p:ext uri="{BB962C8B-B14F-4D97-AF65-F5344CB8AC3E}">

--- a/ppt/premature ppt.pptx
+++ b/ppt/premature ppt.pptx
@@ -5,7 +5,7 @@
     <p:sldMasterId id="2147483648" r:id="rId1"/>
   </p:sldMasterIdLst>
   <p:notesMasterIdLst>
-    <p:notesMasterId r:id="rId28"/>
+    <p:notesMasterId r:id="rId31"/>
   </p:notesMasterIdLst>
   <p:sldIdLst>
     <p:sldId id="256" r:id="rId2"/>
@@ -32,8 +32,11 @@
     <p:sldId id="276" r:id="rId23"/>
     <p:sldId id="277" r:id="rId24"/>
     <p:sldId id="279" r:id="rId25"/>
-    <p:sldId id="280" r:id="rId26"/>
-    <p:sldId id="281" r:id="rId27"/>
+    <p:sldId id="282" r:id="rId26"/>
+    <p:sldId id="280" r:id="rId27"/>
+    <p:sldId id="281" r:id="rId28"/>
+    <p:sldId id="283" r:id="rId29"/>
+    <p:sldId id="284" r:id="rId30"/>
   </p:sldIdLst>
   <p:sldSz cx="9144000" cy="6858000" type="screen4x3"/>
   <p:notesSz cx="6858000" cy="9144000"/>
@@ -132,6 +135,22 @@
       </a:defRPr>
     </a:lvl9pPr>
   </p:defaultTextStyle>
+  <p:extLst>
+    <p:ext uri="{EFAFB233-063F-42B5-8137-9DF3F51BA10A}">
+      <p15:sldGuideLst xmlns:p15="http://schemas.microsoft.com/office/powerpoint/2012/main">
+        <p15:guide id="1" orient="horz" pos="2160">
+          <p15:clr>
+            <a:srgbClr val="A4A3A4"/>
+          </p15:clr>
+        </p15:guide>
+        <p15:guide id="2" pos="2880">
+          <p15:clr>
+            <a:srgbClr val="A4A3A4"/>
+          </p15:clr>
+        </p15:guide>
+      </p15:sldGuideLst>
+    </p:ext>
+  </p:extLst>
 </p:presentation>
 </file>
 
@@ -217,7 +236,7 @@
           <a:p>
             <a:fld id="{27EAA7B7-9729-4998-A735-980F4A67C550}" type="datetimeFigureOut">
               <a:rPr lang="da-DK" smtClean="0"/>
-              <a:t>14-06-2017</a:t>
+              <a:t>15-06-2017</a:t>
             </a:fld>
             <a:endParaRPr lang="da-DK"/>
           </a:p>
@@ -376,7 +395,7 @@
           <a:p>
             <a:fld id="{A5874EA0-E96F-4A9F-BECE-F82ED93FDC31}" type="slidenum">
               <a:rPr lang="da-DK" smtClean="0"/>
-              <a:t>‹#›</a:t>
+              <a:t>‹nr.›</a:t>
             </a:fld>
             <a:endParaRPr lang="da-DK"/>
           </a:p>
@@ -649,7 +668,7 @@
           <a:p>
             <a:fld id="{9E7A4F2D-3E4C-4B5D-BE90-617E350CBCB0}" type="datetime1">
               <a:rPr lang="en-US" smtClean="0"/>
-              <a:t>6/14/2017</a:t>
+              <a:t>6/15/2017</a:t>
             </a:fld>
             <a:endParaRPr lang="da-DK"/>
           </a:p>
@@ -672,7 +691,7 @@
           <a:p>
             <a:fld id="{409B8A6B-2702-4E09-BF63-7CC1F22DFC4D}" type="slidenum">
               <a:rPr lang="da-DK" smtClean="0"/>
-              <a:t>‹#›</a:t>
+              <a:t>‹nr.›</a:t>
             </a:fld>
             <a:endParaRPr lang="da-DK"/>
           </a:p>
@@ -1101,7 +1120,7 @@
           <a:p>
             <a:fld id="{59811876-57C1-4E57-B3D5-811D4A7749BD}" type="datetime1">
               <a:rPr lang="en-US" smtClean="0"/>
-              <a:t>6/14/2017</a:t>
+              <a:t>6/15/2017</a:t>
             </a:fld>
             <a:endParaRPr lang="da-DK"/>
           </a:p>
@@ -1124,7 +1143,7 @@
           <a:p>
             <a:fld id="{409B8A6B-2702-4E09-BF63-7CC1F22DFC4D}" type="slidenum">
               <a:rPr lang="da-DK" smtClean="0"/>
-              <a:t>‹#›</a:t>
+              <a:t>‹nr.›</a:t>
             </a:fld>
             <a:endParaRPr lang="da-DK"/>
           </a:p>
@@ -1276,7 +1295,7 @@
           <a:p>
             <a:fld id="{A027A2E2-4A97-4510-BCDE-7B7FE2925400}" type="datetime1">
               <a:rPr lang="en-US" smtClean="0"/>
-              <a:t>6/14/2017</a:t>
+              <a:t>6/15/2017</a:t>
             </a:fld>
             <a:endParaRPr lang="da-DK"/>
           </a:p>
@@ -1299,7 +1318,7 @@
           <a:p>
             <a:fld id="{409B8A6B-2702-4E09-BF63-7CC1F22DFC4D}" type="slidenum">
               <a:rPr lang="da-DK" smtClean="0"/>
-              <a:t>‹#›</a:t>
+              <a:t>‹nr.›</a:t>
             </a:fld>
             <a:endParaRPr lang="da-DK"/>
           </a:p>
@@ -1543,7 +1562,7 @@
           <a:p>
             <a:fld id="{48E127FB-E98B-4846-B79F-E8A32E28DB0F}" type="datetime1">
               <a:rPr lang="en-US" smtClean="0"/>
-              <a:t>6/14/2017</a:t>
+              <a:t>6/15/2017</a:t>
             </a:fld>
             <a:endParaRPr lang="da-DK"/>
           </a:p>
@@ -1566,7 +1585,7 @@
           <a:p>
             <a:fld id="{409B8A6B-2702-4E09-BF63-7CC1F22DFC4D}" type="slidenum">
               <a:rPr lang="da-DK" smtClean="0"/>
-              <a:t>‹#›</a:t>
+              <a:t>‹nr.›</a:t>
             </a:fld>
             <a:endParaRPr lang="da-DK"/>
           </a:p>
@@ -1759,7 +1778,7 @@
           <a:p>
             <a:fld id="{04595749-9A07-4D32-9BA1-70B5CAE1178C}" type="datetime1">
               <a:rPr lang="en-US" smtClean="0"/>
-              <a:t>6/14/2017</a:t>
+              <a:t>6/15/2017</a:t>
             </a:fld>
             <a:endParaRPr lang="da-DK"/>
           </a:p>
@@ -1782,7 +1801,7 @@
           <a:p>
             <a:fld id="{409B8A6B-2702-4E09-BF63-7CC1F22DFC4D}" type="slidenum">
               <a:rPr lang="da-DK" smtClean="0"/>
-              <a:t>‹#›</a:t>
+              <a:t>‹nr.›</a:t>
             </a:fld>
             <a:endParaRPr lang="da-DK"/>
           </a:p>
@@ -1875,7 +1894,7 @@
           <a:p>
             <a:fld id="{2036BE53-6C39-4C63-9F8D-3493893D403B}" type="datetime1">
               <a:rPr lang="en-US" smtClean="0"/>
-              <a:t>6/14/2017</a:t>
+              <a:t>6/15/2017</a:t>
             </a:fld>
             <a:endParaRPr lang="da-DK"/>
           </a:p>
@@ -1898,7 +1917,7 @@
           <a:p>
             <a:fld id="{409B8A6B-2702-4E09-BF63-7CC1F22DFC4D}" type="slidenum">
               <a:rPr lang="da-DK" smtClean="0"/>
-              <a:t>‹#›</a:t>
+              <a:t>‹nr.›</a:t>
             </a:fld>
             <a:endParaRPr lang="da-DK"/>
           </a:p>
@@ -2134,7 +2153,7 @@
           <a:p>
             <a:fld id="{0775C8BB-F69C-41F0-97E2-212D172D3B53}" type="datetime1">
               <a:rPr lang="en-US" smtClean="0"/>
-              <a:t>6/14/2017</a:t>
+              <a:t>6/15/2017</a:t>
             </a:fld>
             <a:endParaRPr lang="da-DK" dirty="0"/>
           </a:p>
@@ -2158,7 +2177,7 @@
             <a:fld id="{409B8A6B-2702-4E09-BF63-7CC1F22DFC4D}" type="slidenum">
               <a:rPr lang="da-DK" smtClean="0"/>
               <a:pPr/>
-              <a:t>‹#›</a:t>
+              <a:t>‹nr.›</a:t>
             </a:fld>
             <a:endParaRPr lang="da-DK" dirty="0"/>
           </a:p>
@@ -2473,7 +2492,7 @@
           <a:p>
             <a:fld id="{E70A62B0-E7E2-4CF5-913E-3C1EE37363B7}" type="datetime1">
               <a:rPr lang="en-US" smtClean="0"/>
-              <a:t>6/14/2017</a:t>
+              <a:t>6/15/2017</a:t>
             </a:fld>
             <a:endParaRPr lang="da-DK"/>
           </a:p>
@@ -2496,7 +2515,7 @@
           <a:p>
             <a:fld id="{409B8A6B-2702-4E09-BF63-7CC1F22DFC4D}" type="slidenum">
               <a:rPr lang="da-DK" smtClean="0"/>
-              <a:t>‹#›</a:t>
+              <a:t>‹nr.›</a:t>
             </a:fld>
             <a:endParaRPr lang="da-DK"/>
           </a:p>
@@ -2594,7 +2613,7 @@
           <a:p>
             <a:fld id="{8E2A3FD1-DFEE-478F-8764-EA4A12E6E420}" type="datetime1">
               <a:rPr lang="en-US" smtClean="0"/>
-              <a:t>6/14/2017</a:t>
+              <a:t>6/15/2017</a:t>
             </a:fld>
             <a:endParaRPr lang="da-DK"/>
           </a:p>
@@ -2617,7 +2636,7 @@
           <a:p>
             <a:fld id="{409B8A6B-2702-4E09-BF63-7CC1F22DFC4D}" type="slidenum">
               <a:rPr lang="da-DK" smtClean="0"/>
-              <a:t>‹#›</a:t>
+              <a:t>‹nr.›</a:t>
             </a:fld>
             <a:endParaRPr lang="da-DK"/>
           </a:p>
@@ -3049,7 +3068,7 @@
           <a:p>
             <a:fld id="{87613CBE-7DAD-4AD6-A447-AE25CEF4DF49}" type="datetime1">
               <a:rPr lang="en-US" smtClean="0"/>
-              <a:t>6/14/2017</a:t>
+              <a:t>6/15/2017</a:t>
             </a:fld>
             <a:endParaRPr lang="da-DK"/>
           </a:p>
@@ -3072,7 +3091,7 @@
           <a:p>
             <a:fld id="{409B8A6B-2702-4E09-BF63-7CC1F22DFC4D}" type="slidenum">
               <a:rPr lang="da-DK" smtClean="0"/>
-              <a:t>‹#›</a:t>
+              <a:t>‹nr.›</a:t>
             </a:fld>
             <a:endParaRPr lang="da-DK"/>
           </a:p>
@@ -3426,7 +3445,7 @@
           <a:p>
             <a:fld id="{D0C2A6F4-40AE-463F-85E5-665BB46F1CBB}" type="datetime1">
               <a:rPr lang="en-US" smtClean="0"/>
-              <a:t>6/14/2017</a:t>
+              <a:t>6/15/2017</a:t>
             </a:fld>
             <a:endParaRPr lang="da-DK"/>
           </a:p>
@@ -3449,7 +3468,7 @@
           <a:p>
             <a:fld id="{409B8A6B-2702-4E09-BF63-7CC1F22DFC4D}" type="slidenum">
               <a:rPr lang="da-DK" smtClean="0"/>
-              <a:t>‹#›</a:t>
+              <a:t>‹nr.›</a:t>
             </a:fld>
             <a:endParaRPr lang="da-DK"/>
           </a:p>
@@ -3512,7 +3531,7 @@
           <a:p>
             <a:fld id="{9D8E1AC8-7F67-46F6-B557-46F7F820EB38}" type="datetime1">
               <a:rPr lang="en-US" smtClean="0"/>
-              <a:t>6/14/2017</a:t>
+              <a:t>6/15/2017</a:t>
             </a:fld>
             <a:endParaRPr lang="da-DK"/>
           </a:p>
@@ -3535,7 +3554,7 @@
           <a:p>
             <a:fld id="{409B8A6B-2702-4E09-BF63-7CC1F22DFC4D}" type="slidenum">
               <a:rPr lang="da-DK" smtClean="0"/>
-              <a:t>‹#›</a:t>
+              <a:t>‹nr.›</a:t>
             </a:fld>
             <a:endParaRPr lang="da-DK"/>
           </a:p>
@@ -3716,7 +3735,7 @@
           <a:p>
             <a:fld id="{794A86D9-E5D1-499F-92A5-9D5B7169092D}" type="datetime1">
               <a:rPr lang="en-US" smtClean="0"/>
-              <a:t>6/14/2017</a:t>
+              <a:t>6/15/2017</a:t>
             </a:fld>
             <a:endParaRPr lang="da-DK"/>
           </a:p>
@@ -3739,7 +3758,7 @@
           <a:p>
             <a:fld id="{409B8A6B-2702-4E09-BF63-7CC1F22DFC4D}" type="slidenum">
               <a:rPr lang="da-DK" smtClean="0"/>
-              <a:t>‹#›</a:t>
+              <a:t>‹nr.›</a:t>
             </a:fld>
             <a:endParaRPr lang="da-DK"/>
           </a:p>
@@ -4050,7 +4069,7 @@
           <a:p>
             <a:fld id="{A355CBA8-7D2E-46F8-A8E5-BD7BACFEDE84}" type="datetime1">
               <a:rPr lang="en-US" smtClean="0"/>
-              <a:t>6/14/2017</a:t>
+              <a:t>6/15/2017</a:t>
             </a:fld>
             <a:endParaRPr lang="da-DK" dirty="0"/>
           </a:p>
@@ -4090,7 +4109,7 @@
             <a:fld id="{409B8A6B-2702-4E09-BF63-7CC1F22DFC4D}" type="slidenum">
               <a:rPr lang="da-DK" smtClean="0"/>
               <a:pPr/>
-              <a:t>‹#›</a:t>
+              <a:t>‹nr.›</a:t>
             </a:fld>
             <a:endParaRPr lang="da-DK" dirty="0"/>
           </a:p>
@@ -5297,11 +5316,7 @@
           <a:p>
             <a:r>
               <a:rPr lang="en-US" dirty="0" smtClean="0"/>
-              <a:t>(inser</a:t>
-            </a:r>
-            <a:r>
-              <a:rPr lang="en-US" dirty="0" smtClean="0"/>
-              <a:t>t picture of designed room)</a:t>
+              <a:t>(insert picture of designed room)</a:t>
             </a:r>
           </a:p>
           <a:p>
@@ -6474,7 +6489,7 @@
       </p:grpSpPr>
       <p:sp>
         <p:nvSpPr>
-          <p:cNvPr id="2" name="Title 1"/>
+          <p:cNvPr id="2" name="Titel 1"/>
           <p:cNvSpPr>
             <a:spLocks noGrp="1"/>
           </p:cNvSpPr>
@@ -6489,66 +6504,50 @@
           <a:p>
             <a:pPr algn="ctr"/>
             <a:r>
-              <a:rPr lang="en-US" dirty="0" smtClean="0"/>
-              <a:t>Diversity Combining</a:t>
-            </a:r>
-            <a:endParaRPr lang="el-GR" dirty="0"/>
-          </a:p>
-        </p:txBody>
-      </p:sp>
-      <p:sp>
-        <p:nvSpPr>
-          <p:cNvPr id="3" name="Content Placeholder 2"/>
-          <p:cNvSpPr>
-            <a:spLocks noGrp="1"/>
-          </p:cNvSpPr>
+              <a:rPr lang="da-DK" dirty="0" smtClean="0"/>
+              <a:t>New </a:t>
+            </a:r>
+            <a:r>
+              <a:rPr lang="da-DK" dirty="0" err="1" smtClean="0"/>
+              <a:t>Results</a:t>
+            </a:r>
+            <a:endParaRPr lang="da-DK" dirty="0"/>
+          </a:p>
+        </p:txBody>
+      </p:sp>
+      <p:pic>
+        <p:nvPicPr>
+          <p:cNvPr id="4" name="Pladsholder til indhold 3"/>
+          <p:cNvPicPr>
+            <a:picLocks noGrp="1" noChangeAspect="1"/>
+          </p:cNvPicPr>
           <p:nvPr>
             <p:ph idx="1"/>
           </p:nvPr>
-        </p:nvSpPr>
-        <p:spPr/>
-        <p:txBody>
-          <a:bodyPr/>
-          <a:lstStyle/>
-          <a:p>
-            <a:r>
-              <a:rPr lang="en-US" dirty="0" smtClean="0"/>
-              <a:t>Looking at different diversity orders </a:t>
-            </a:r>
-          </a:p>
-          <a:p>
-            <a:r>
-              <a:rPr lang="en-US" dirty="0" smtClean="0"/>
-              <a:t>Combining frequency and antenna diversity</a:t>
-            </a:r>
-          </a:p>
-          <a:p>
-            <a:r>
-              <a:rPr lang="en-US" dirty="0" smtClean="0"/>
-              <a:t>(insert picture with different diversity orders for frequency)</a:t>
-            </a:r>
-          </a:p>
-          <a:p>
-            <a:r>
-              <a:rPr lang="en-US" dirty="0" smtClean="0"/>
-              <a:t>(insert picture for combined )</a:t>
-            </a:r>
-          </a:p>
-          <a:p>
-            <a:r>
-              <a:rPr lang="en-US" dirty="0" smtClean="0"/>
-              <a:t>Diminishing returns of diversity order &gt; 4</a:t>
-            </a:r>
-          </a:p>
-          <a:p>
-            <a:endParaRPr lang="en-US" dirty="0" smtClean="0"/>
-          </a:p>
-        </p:txBody>
-      </p:sp>
+        </p:nvPicPr>
+        <p:blipFill>
+          <a:blip r:embed="rId2">
+            <a:extLst>
+              <a:ext uri="{28A0092B-C50C-407E-A947-70E740481C1C}">
+                <a14:useLocalDpi xmlns:a14="http://schemas.microsoft.com/office/drawing/2010/main" val="0"/>
+              </a:ext>
+            </a:extLst>
+          </a:blip>
+          <a:stretch>
+            <a:fillRect/>
+          </a:stretch>
+        </p:blipFill>
+        <p:spPr>
+          <a:xfrm>
+            <a:off x="1490647" y="1600200"/>
+            <a:ext cx="6162706" cy="4276725"/>
+          </a:xfrm>
+        </p:spPr>
+      </p:pic>
     </p:spTree>
     <p:extLst>
       <p:ext uri="{BB962C8B-B14F-4D97-AF65-F5344CB8AC3E}">
-        <p14:creationId xmlns:p14="http://schemas.microsoft.com/office/powerpoint/2010/main" val="2335081033"/>
+        <p14:creationId xmlns:p14="http://schemas.microsoft.com/office/powerpoint/2010/main" val="1482165241"/>
       </p:ext>
     </p:extLst>
   </p:cSld>
@@ -6596,6 +6595,122 @@
             <a:pPr algn="ctr"/>
             <a:r>
               <a:rPr lang="en-US" dirty="0" smtClean="0"/>
+              <a:t>Diversity Combining</a:t>
+            </a:r>
+            <a:endParaRPr lang="el-GR" dirty="0"/>
+          </a:p>
+        </p:txBody>
+      </p:sp>
+      <p:pic>
+        <p:nvPicPr>
+          <p:cNvPr id="4" name="Pladsholder til indhold 3"/>
+          <p:cNvPicPr>
+            <a:picLocks noGrp="1" noChangeAspect="1"/>
+          </p:cNvPicPr>
+          <p:nvPr>
+            <p:ph idx="1"/>
+          </p:nvPr>
+        </p:nvPicPr>
+        <p:blipFill>
+          <a:blip r:embed="rId2" cstate="print">
+            <a:extLst>
+              <a:ext uri="{28A0092B-C50C-407E-A947-70E740481C1C}">
+                <a14:useLocalDpi xmlns:a14="http://schemas.microsoft.com/office/drawing/2010/main" val="0"/>
+              </a:ext>
+            </a:extLst>
+          </a:blip>
+          <a:stretch>
+            <a:fillRect/>
+          </a:stretch>
+        </p:blipFill>
+        <p:spPr>
+          <a:xfrm>
+            <a:off x="4644008" y="1916832"/>
+            <a:ext cx="4392488" cy="3048249"/>
+          </a:xfrm>
+        </p:spPr>
+      </p:pic>
+      <p:pic>
+        <p:nvPicPr>
+          <p:cNvPr id="5" name="Billede 4"/>
+          <p:cNvPicPr>
+            <a:picLocks noChangeAspect="1"/>
+          </p:cNvPicPr>
+          <p:nvPr/>
+        </p:nvPicPr>
+        <p:blipFill>
+          <a:blip r:embed="rId3" cstate="print">
+            <a:extLst>
+              <a:ext uri="{28A0092B-C50C-407E-A947-70E740481C1C}">
+                <a14:useLocalDpi xmlns:a14="http://schemas.microsoft.com/office/drawing/2010/main" val="0"/>
+              </a:ext>
+            </a:extLst>
+          </a:blip>
+          <a:stretch>
+            <a:fillRect/>
+          </a:stretch>
+        </p:blipFill>
+        <p:spPr>
+          <a:xfrm>
+            <a:off x="243278" y="1916832"/>
+            <a:ext cx="4400730" cy="3053969"/>
+          </a:xfrm>
+          <a:prstGeom prst="rect">
+            <a:avLst/>
+          </a:prstGeom>
+        </p:spPr>
+      </p:pic>
+    </p:spTree>
+    <p:extLst>
+      <p:ext uri="{BB962C8B-B14F-4D97-AF65-F5344CB8AC3E}">
+        <p14:creationId xmlns:p14="http://schemas.microsoft.com/office/powerpoint/2010/main" val="2335081033"/>
+      </p:ext>
+    </p:extLst>
+  </p:cSld>
+  <p:clrMapOvr>
+    <a:masterClrMapping/>
+  </p:clrMapOvr>
+  <p:transition>
+    <p:fade/>
+  </p:transition>
+</p:sld>
+</file>
+
+<file path=ppt/slides/slide27.xml><?xml version="1.0" encoding="utf-8"?>
+<p:sld xmlns:a="http://schemas.openxmlformats.org/drawingml/2006/main" xmlns:r="http://schemas.openxmlformats.org/officeDocument/2006/relationships" xmlns:p="http://schemas.openxmlformats.org/presentationml/2006/main">
+  <p:cSld>
+    <p:spTree>
+      <p:nvGrpSpPr>
+        <p:cNvPr id="1" name=""/>
+        <p:cNvGrpSpPr/>
+        <p:nvPr/>
+      </p:nvGrpSpPr>
+      <p:grpSpPr>
+        <a:xfrm>
+          <a:off x="0" y="0"/>
+          <a:ext cx="0" cy="0"/>
+          <a:chOff x="0" y="0"/>
+          <a:chExt cx="0" cy="0"/>
+        </a:xfrm>
+      </p:grpSpPr>
+      <p:sp>
+        <p:nvSpPr>
+          <p:cNvPr id="2" name="Title 1"/>
+          <p:cNvSpPr>
+            <a:spLocks noGrp="1"/>
+          </p:cNvSpPr>
+          <p:nvPr>
+            <p:ph type="title"/>
+          </p:nvPr>
+        </p:nvSpPr>
+        <p:spPr/>
+        <p:txBody>
+          <a:bodyPr/>
+          <a:lstStyle/>
+          <a:p>
+            <a:pPr algn="ctr"/>
+            <a:r>
+              <a:rPr lang="en-US" dirty="0" smtClean="0"/>
               <a:t>Uncertainties</a:t>
             </a:r>
             <a:endParaRPr lang="el-GR" dirty="0"/>
@@ -6617,7 +6732,56 @@
           <a:bodyPr/>
           <a:lstStyle/>
           <a:p>
-            <a:endParaRPr lang="el-GR" dirty="0"/>
+            <a:r>
+              <a:rPr lang="da-DK" dirty="0" smtClean="0"/>
+              <a:t>WSSUS</a:t>
+            </a:r>
+          </a:p>
+          <a:p>
+            <a:pPr lvl="1"/>
+            <a:r>
+              <a:rPr lang="da-DK" dirty="0" smtClean="0"/>
+              <a:t>Distance</a:t>
+            </a:r>
+          </a:p>
+          <a:p>
+            <a:pPr lvl="1"/>
+            <a:r>
+              <a:rPr lang="da-DK" dirty="0"/>
+              <a:t>Human </a:t>
+            </a:r>
+            <a:r>
+              <a:rPr lang="da-DK" dirty="0" err="1" smtClean="0"/>
+              <a:t>error</a:t>
+            </a:r>
+            <a:endParaRPr lang="da-DK" dirty="0" smtClean="0"/>
+          </a:p>
+          <a:p>
+            <a:pPr lvl="1"/>
+            <a:r>
+              <a:rPr lang="da-DK" dirty="0" smtClean="0"/>
+              <a:t>Wide </a:t>
+            </a:r>
+            <a:r>
+              <a:rPr lang="da-DK" dirty="0" err="1" smtClean="0"/>
+              <a:t>bandwidth</a:t>
+            </a:r>
+            <a:endParaRPr lang="da-DK" dirty="0"/>
+          </a:p>
+          <a:p>
+            <a:r>
+              <a:rPr lang="da-DK" dirty="0" err="1" smtClean="0"/>
+              <a:t>Phase</a:t>
+            </a:r>
+            <a:r>
+              <a:rPr lang="da-DK" dirty="0" smtClean="0"/>
+              <a:t> </a:t>
+            </a:r>
+            <a:r>
+              <a:rPr lang="da-DK" dirty="0" err="1" smtClean="0"/>
+              <a:t>correlation</a:t>
+            </a:r>
+            <a:endParaRPr lang="da-DK" dirty="0" smtClean="0"/>
           </a:p>
         </p:txBody>
       </p:sp>
@@ -6625,6 +6789,236 @@
     <p:extLst>
       <p:ext uri="{BB962C8B-B14F-4D97-AF65-F5344CB8AC3E}">
         <p14:creationId xmlns:p14="http://schemas.microsoft.com/office/powerpoint/2010/main" val="1851428796"/>
+      </p:ext>
+    </p:extLst>
+  </p:cSld>
+  <p:clrMapOvr>
+    <a:masterClrMapping/>
+  </p:clrMapOvr>
+  <p:transition>
+    <p:fade/>
+  </p:transition>
+</p:sld>
+</file>
+
+<file path=ppt/slides/slide28.xml><?xml version="1.0" encoding="utf-8"?>
+<p:sld xmlns:a="http://schemas.openxmlformats.org/drawingml/2006/main" xmlns:r="http://schemas.openxmlformats.org/officeDocument/2006/relationships" xmlns:p="http://schemas.openxmlformats.org/presentationml/2006/main">
+  <p:cSld>
+    <p:spTree>
+      <p:nvGrpSpPr>
+        <p:cNvPr id="1" name=""/>
+        <p:cNvGrpSpPr/>
+        <p:nvPr/>
+      </p:nvGrpSpPr>
+      <p:grpSpPr>
+        <a:xfrm>
+          <a:off x="0" y="0"/>
+          <a:ext cx="0" cy="0"/>
+          <a:chOff x="0" y="0"/>
+          <a:chExt cx="0" cy="0"/>
+        </a:xfrm>
+      </p:grpSpPr>
+      <p:sp>
+        <p:nvSpPr>
+          <p:cNvPr id="2" name="Titel 1"/>
+          <p:cNvSpPr>
+            <a:spLocks noGrp="1"/>
+          </p:cNvSpPr>
+          <p:nvPr>
+            <p:ph type="title"/>
+          </p:nvPr>
+        </p:nvSpPr>
+        <p:spPr/>
+        <p:txBody>
+          <a:bodyPr/>
+          <a:lstStyle/>
+          <a:p>
+            <a:pPr algn="ctr"/>
+            <a:r>
+              <a:rPr lang="da-DK" dirty="0" smtClean="0"/>
+              <a:t>Prospekts</a:t>
+            </a:r>
+            <a:endParaRPr lang="da-DK" dirty="0"/>
+          </a:p>
+        </p:txBody>
+      </p:sp>
+      <p:sp>
+        <p:nvSpPr>
+          <p:cNvPr id="3" name="Pladsholder til indhold 2"/>
+          <p:cNvSpPr>
+            <a:spLocks noGrp="1"/>
+          </p:cNvSpPr>
+          <p:nvPr>
+            <p:ph idx="1"/>
+          </p:nvPr>
+        </p:nvSpPr>
+        <p:spPr/>
+        <p:txBody>
+          <a:bodyPr/>
+          <a:lstStyle/>
+          <a:p>
+            <a:r>
+              <a:rPr lang="da-DK" dirty="0" smtClean="0"/>
+              <a:t>Using </a:t>
+            </a:r>
+            <a:r>
+              <a:rPr lang="da-DK" dirty="0" err="1" smtClean="0"/>
+              <a:t>diversity</a:t>
+            </a:r>
+            <a:r>
+              <a:rPr lang="da-DK" dirty="0" smtClean="0"/>
+              <a:t> to </a:t>
+            </a:r>
+            <a:r>
+              <a:rPr lang="da-DK" dirty="0" err="1" smtClean="0"/>
+              <a:t>minimize</a:t>
+            </a:r>
+            <a:r>
+              <a:rPr lang="da-DK" dirty="0" smtClean="0"/>
+              <a:t> </a:t>
+            </a:r>
+            <a:r>
+              <a:rPr lang="da-DK" dirty="0" err="1" smtClean="0"/>
+              <a:t>needed</a:t>
+            </a:r>
+            <a:r>
+              <a:rPr lang="da-DK" dirty="0" smtClean="0"/>
+              <a:t> SNR </a:t>
+            </a:r>
+            <a:r>
+              <a:rPr lang="da-DK" dirty="0" err="1" smtClean="0"/>
+              <a:t>level</a:t>
+            </a:r>
+            <a:endParaRPr lang="da-DK" dirty="0" smtClean="0"/>
+          </a:p>
+          <a:p>
+            <a:r>
+              <a:rPr lang="da-DK" dirty="0" smtClean="0"/>
+              <a:t>Using </a:t>
+            </a:r>
+            <a:r>
+              <a:rPr lang="da-DK" dirty="0" err="1" smtClean="0"/>
+              <a:t>four</a:t>
+            </a:r>
+            <a:r>
+              <a:rPr lang="da-DK" dirty="0" smtClean="0"/>
+              <a:t> </a:t>
+            </a:r>
+            <a:r>
+              <a:rPr lang="da-DK" dirty="0" err="1" smtClean="0"/>
+              <a:t>antennas</a:t>
+            </a:r>
+            <a:r>
+              <a:rPr lang="da-DK" dirty="0" smtClean="0"/>
+              <a:t> </a:t>
+            </a:r>
+            <a:r>
+              <a:rPr lang="da-DK" dirty="0" err="1" smtClean="0"/>
+              <a:t>instead</a:t>
+            </a:r>
+            <a:r>
+              <a:rPr lang="da-DK" dirty="0" smtClean="0"/>
+              <a:t> of </a:t>
+            </a:r>
+            <a:r>
+              <a:rPr lang="da-DK" dirty="0" err="1" smtClean="0"/>
+              <a:t>three</a:t>
+            </a:r>
+            <a:endParaRPr lang="da-DK" dirty="0" smtClean="0"/>
+          </a:p>
+          <a:p>
+            <a:r>
+              <a:rPr lang="da-DK" dirty="0" err="1" smtClean="0"/>
+              <a:t>Moving</a:t>
+            </a:r>
+            <a:r>
+              <a:rPr lang="da-DK" dirty="0" smtClean="0"/>
+              <a:t> faster</a:t>
+            </a:r>
+            <a:endParaRPr lang="da-DK" dirty="0"/>
+          </a:p>
+        </p:txBody>
+      </p:sp>
+    </p:spTree>
+    <p:extLst>
+      <p:ext uri="{BB962C8B-B14F-4D97-AF65-F5344CB8AC3E}">
+        <p14:creationId xmlns:p14="http://schemas.microsoft.com/office/powerpoint/2010/main" val="1677492890"/>
+      </p:ext>
+    </p:extLst>
+  </p:cSld>
+  <p:clrMapOvr>
+    <a:masterClrMapping/>
+  </p:clrMapOvr>
+  <p:transition>
+    <p:fade/>
+  </p:transition>
+</p:sld>
+</file>
+
+<file path=ppt/slides/slide29.xml><?xml version="1.0" encoding="utf-8"?>
+<p:sld xmlns:a="http://schemas.openxmlformats.org/drawingml/2006/main" xmlns:r="http://schemas.openxmlformats.org/officeDocument/2006/relationships" xmlns:p="http://schemas.openxmlformats.org/presentationml/2006/main">
+  <p:cSld>
+    <p:spTree>
+      <p:nvGrpSpPr>
+        <p:cNvPr id="1" name=""/>
+        <p:cNvGrpSpPr/>
+        <p:nvPr/>
+      </p:nvGrpSpPr>
+      <p:grpSpPr>
+        <a:xfrm>
+          <a:off x="0" y="0"/>
+          <a:ext cx="0" cy="0"/>
+          <a:chOff x="0" y="0"/>
+          <a:chExt cx="0" cy="0"/>
+        </a:xfrm>
+      </p:grpSpPr>
+      <p:sp>
+        <p:nvSpPr>
+          <p:cNvPr id="2" name="Titel 1"/>
+          <p:cNvSpPr>
+            <a:spLocks noGrp="1"/>
+          </p:cNvSpPr>
+          <p:nvPr>
+            <p:ph type="title"/>
+          </p:nvPr>
+        </p:nvSpPr>
+        <p:spPr/>
+        <p:txBody>
+          <a:bodyPr/>
+          <a:lstStyle/>
+          <a:p>
+            <a:pPr algn="ctr"/>
+            <a:r>
+              <a:rPr lang="da-DK" dirty="0" smtClean="0"/>
+              <a:t>Summary</a:t>
+            </a:r>
+            <a:endParaRPr lang="da-DK" dirty="0"/>
+          </a:p>
+        </p:txBody>
+      </p:sp>
+      <p:sp>
+        <p:nvSpPr>
+          <p:cNvPr id="3" name="Pladsholder til indhold 2"/>
+          <p:cNvSpPr>
+            <a:spLocks noGrp="1"/>
+          </p:cNvSpPr>
+          <p:nvPr>
+            <p:ph idx="1"/>
+          </p:nvPr>
+        </p:nvSpPr>
+        <p:spPr/>
+        <p:txBody>
+          <a:bodyPr/>
+          <a:lstStyle/>
+          <a:p>
+            <a:endParaRPr lang="da-DK" dirty="0"/>
+          </a:p>
+        </p:txBody>
+      </p:sp>
+    </p:spTree>
+    <p:extLst>
+      <p:ext uri="{BB962C8B-B14F-4D97-AF65-F5344CB8AC3E}">
+        <p14:creationId xmlns:p14="http://schemas.microsoft.com/office/powerpoint/2010/main" val="404900543"/>
       </p:ext>
     </p:extLst>
   </p:cSld>
@@ -6813,15 +7207,7 @@
           <a:p>
             <a:r>
               <a:rPr lang="en-US" dirty="0" smtClean="0"/>
-              <a:t>Sufficient Dynamic </a:t>
-            </a:r>
-            <a:r>
-              <a:rPr lang="en-US" dirty="0" smtClean="0"/>
-              <a:t>Range </a:t>
-            </a:r>
-            <a:r>
-              <a:rPr lang="en-US" dirty="0" smtClean="0"/>
-              <a:t>to see the deep fades.</a:t>
+              <a:t>Sufficient Dynamic Range to see the deep fades.</a:t>
             </a:r>
           </a:p>
           <a:p>

--- a/ppt/premature ppt.pptx
+++ b/ppt/premature ppt.pptx
@@ -137,7 +137,7 @@
   </p:defaultTextStyle>
   <p:extLst>
     <p:ext uri="{EFAFB233-063F-42B5-8137-9DF3F51BA10A}">
-      <p15:sldGuideLst xmlns:p15="http://schemas.microsoft.com/office/powerpoint/2012/main">
+      <p15:sldGuideLst xmlns:p15="http://schemas.microsoft.com/office/powerpoint/2012/main" xmlns="">
         <p15:guide id="1" orient="horz" pos="2160">
           <p15:clr>
             <a:srgbClr val="A4A3A4"/>
@@ -395,7 +395,7 @@
           <a:p>
             <a:fld id="{A5874EA0-E96F-4A9F-BECE-F82ED93FDC31}" type="slidenum">
               <a:rPr lang="da-DK" smtClean="0"/>
-              <a:t>‹nr.›</a:t>
+              <a:t>‹#›</a:t>
             </a:fld>
             <a:endParaRPr lang="da-DK"/>
           </a:p>
@@ -691,7 +691,7 @@
           <a:p>
             <a:fld id="{409B8A6B-2702-4E09-BF63-7CC1F22DFC4D}" type="slidenum">
               <a:rPr lang="da-DK" smtClean="0"/>
-              <a:t>‹nr.›</a:t>
+              <a:t>‹#›</a:t>
             </a:fld>
             <a:endParaRPr lang="da-DK"/>
           </a:p>
@@ -1143,7 +1143,7 @@
           <a:p>
             <a:fld id="{409B8A6B-2702-4E09-BF63-7CC1F22DFC4D}" type="slidenum">
               <a:rPr lang="da-DK" smtClean="0"/>
-              <a:t>‹nr.›</a:t>
+              <a:t>‹#›</a:t>
             </a:fld>
             <a:endParaRPr lang="da-DK"/>
           </a:p>
@@ -1318,7 +1318,7 @@
           <a:p>
             <a:fld id="{409B8A6B-2702-4E09-BF63-7CC1F22DFC4D}" type="slidenum">
               <a:rPr lang="da-DK" smtClean="0"/>
-              <a:t>‹nr.›</a:t>
+              <a:t>‹#›</a:t>
             </a:fld>
             <a:endParaRPr lang="da-DK"/>
           </a:p>
@@ -1585,7 +1585,7 @@
           <a:p>
             <a:fld id="{409B8A6B-2702-4E09-BF63-7CC1F22DFC4D}" type="slidenum">
               <a:rPr lang="da-DK" smtClean="0"/>
-              <a:t>‹nr.›</a:t>
+              <a:t>‹#›</a:t>
             </a:fld>
             <a:endParaRPr lang="da-DK"/>
           </a:p>
@@ -1801,7 +1801,7 @@
           <a:p>
             <a:fld id="{409B8A6B-2702-4E09-BF63-7CC1F22DFC4D}" type="slidenum">
               <a:rPr lang="da-DK" smtClean="0"/>
-              <a:t>‹nr.›</a:t>
+              <a:t>‹#›</a:t>
             </a:fld>
             <a:endParaRPr lang="da-DK"/>
           </a:p>
@@ -1917,7 +1917,7 @@
           <a:p>
             <a:fld id="{409B8A6B-2702-4E09-BF63-7CC1F22DFC4D}" type="slidenum">
               <a:rPr lang="da-DK" smtClean="0"/>
-              <a:t>‹nr.›</a:t>
+              <a:t>‹#›</a:t>
             </a:fld>
             <a:endParaRPr lang="da-DK"/>
           </a:p>
@@ -2177,7 +2177,7 @@
             <a:fld id="{409B8A6B-2702-4E09-BF63-7CC1F22DFC4D}" type="slidenum">
               <a:rPr lang="da-DK" smtClean="0"/>
               <a:pPr/>
-              <a:t>‹nr.›</a:t>
+              <a:t>‹#›</a:t>
             </a:fld>
             <a:endParaRPr lang="da-DK" dirty="0"/>
           </a:p>
@@ -2515,7 +2515,7 @@
           <a:p>
             <a:fld id="{409B8A6B-2702-4E09-BF63-7CC1F22DFC4D}" type="slidenum">
               <a:rPr lang="da-DK" smtClean="0"/>
-              <a:t>‹nr.›</a:t>
+              <a:t>‹#›</a:t>
             </a:fld>
             <a:endParaRPr lang="da-DK"/>
           </a:p>
@@ -2636,7 +2636,7 @@
           <a:p>
             <a:fld id="{409B8A6B-2702-4E09-BF63-7CC1F22DFC4D}" type="slidenum">
               <a:rPr lang="da-DK" smtClean="0"/>
-              <a:t>‹nr.›</a:t>
+              <a:t>‹#›</a:t>
             </a:fld>
             <a:endParaRPr lang="da-DK"/>
           </a:p>
@@ -3091,7 +3091,7 @@
           <a:p>
             <a:fld id="{409B8A6B-2702-4E09-BF63-7CC1F22DFC4D}" type="slidenum">
               <a:rPr lang="da-DK" smtClean="0"/>
-              <a:t>‹nr.›</a:t>
+              <a:t>‹#›</a:t>
             </a:fld>
             <a:endParaRPr lang="da-DK"/>
           </a:p>
@@ -3468,7 +3468,7 @@
           <a:p>
             <a:fld id="{409B8A6B-2702-4E09-BF63-7CC1F22DFC4D}" type="slidenum">
               <a:rPr lang="da-DK" smtClean="0"/>
-              <a:t>‹nr.›</a:t>
+              <a:t>‹#›</a:t>
             </a:fld>
             <a:endParaRPr lang="da-DK"/>
           </a:p>
@@ -3554,7 +3554,7 @@
           <a:p>
             <a:fld id="{409B8A6B-2702-4E09-BF63-7CC1F22DFC4D}" type="slidenum">
               <a:rPr lang="da-DK" smtClean="0"/>
-              <a:t>‹nr.›</a:t>
+              <a:t>‹#›</a:t>
             </a:fld>
             <a:endParaRPr lang="da-DK"/>
           </a:p>
@@ -3758,7 +3758,7 @@
           <a:p>
             <a:fld id="{409B8A6B-2702-4E09-BF63-7CC1F22DFC4D}" type="slidenum">
               <a:rPr lang="da-DK" smtClean="0"/>
-              <a:t>‹nr.›</a:t>
+              <a:t>‹#›</a:t>
             </a:fld>
             <a:endParaRPr lang="da-DK"/>
           </a:p>
@@ -4109,7 +4109,7 @@
             <a:fld id="{409B8A6B-2702-4E09-BF63-7CC1F22DFC4D}" type="slidenum">
               <a:rPr lang="da-DK" smtClean="0"/>
               <a:pPr/>
-              <a:t>‹nr.›</a:t>
+              <a:t>‹#›</a:t>
             </a:fld>
             <a:endParaRPr lang="da-DK" dirty="0"/>
           </a:p>
@@ -5066,24 +5066,39 @@
         </p:nvSpPr>
         <p:spPr/>
         <p:txBody>
-          <a:bodyPr/>
-          <a:lstStyle/>
-          <a:p>
-            <a:r>
-              <a:rPr lang="en-US" dirty="0" smtClean="0"/>
-              <a:t>(insert structure photo here)</a:t>
-            </a:r>
-          </a:p>
-          <a:p>
-            <a:r>
-              <a:rPr lang="en-US" dirty="0" smtClean="0"/>
-              <a:t>Explain each part of the structure</a:t>
-            </a:r>
-          </a:p>
-          <a:p>
-            <a:r>
-              <a:rPr lang="en-US" dirty="0" smtClean="0"/>
-              <a:t>Receiver is influenced by :</a:t>
+          <a:bodyPr>
+            <a:normAutofit/>
+          </a:bodyPr>
+          <a:lstStyle/>
+          <a:p>
+            <a:r>
+              <a:rPr lang="en-US" dirty="0" smtClean="0"/>
+              <a:t>The basic receiver’s structure.</a:t>
+            </a:r>
+          </a:p>
+          <a:p>
+            <a:endParaRPr lang="en-US" dirty="0"/>
+          </a:p>
+          <a:p>
+            <a:endParaRPr lang="en-US" dirty="0" smtClean="0"/>
+          </a:p>
+          <a:p>
+            <a:endParaRPr lang="en-US" dirty="0"/>
+          </a:p>
+          <a:p>
+            <a:pPr marL="0" indent="0">
+              <a:buNone/>
+            </a:pPr>
+            <a:endParaRPr lang="en-US" dirty="0"/>
+          </a:p>
+          <a:p>
+            <a:r>
+              <a:rPr lang="en-US" dirty="0" smtClean="0"/>
+              <a:t>Receiver </a:t>
+            </a:r>
+            <a:r>
+              <a:rPr lang="en-US" dirty="0" smtClean="0"/>
+              <a:t>is influenced by :</a:t>
             </a:r>
           </a:p>
           <a:p>
@@ -5119,14 +5134,16 @@
           <a:p>
             <a:r>
               <a:rPr lang="en-US" dirty="0" smtClean="0"/>
-              <a:t>Correction with Network Analyzer</a:t>
-            </a:r>
-          </a:p>
-          <a:p>
-            <a:r>
-              <a:rPr lang="en-US" dirty="0" smtClean="0"/>
-              <a:t>Calibration</a:t>
-            </a:r>
+              <a:t>Noise is the dominant factor.</a:t>
+            </a:r>
+            <a:endParaRPr lang="en-US" dirty="0" smtClean="0"/>
+          </a:p>
+          <a:p>
+            <a:r>
+              <a:rPr lang="en-US" dirty="0" smtClean="0"/>
+              <a:t>Calibration for distortion</a:t>
+            </a:r>
+            <a:endParaRPr lang="en-US" dirty="0" smtClean="0"/>
           </a:p>
           <a:p>
             <a:endParaRPr lang="en-US" dirty="0"/>
@@ -5136,6 +5153,36 @@
           </a:p>
         </p:txBody>
       </p:sp>
+      <p:pic>
+        <p:nvPicPr>
+          <p:cNvPr id="4" name="Picture 3"/>
+          <p:cNvPicPr>
+            <a:picLocks noChangeAspect="1"/>
+          </p:cNvPicPr>
+          <p:nvPr/>
+        </p:nvPicPr>
+        <p:blipFill>
+          <a:blip r:embed="rId2">
+            <a:extLst>
+              <a:ext uri="{28A0092B-C50C-407E-A947-70E740481C1C}">
+                <a14:useLocalDpi xmlns:a14="http://schemas.microsoft.com/office/drawing/2010/main" val="0"/>
+              </a:ext>
+            </a:extLst>
+          </a:blip>
+          <a:stretch>
+            <a:fillRect/>
+          </a:stretch>
+        </p:blipFill>
+        <p:spPr>
+          <a:xfrm>
+            <a:off x="755576" y="2060848"/>
+            <a:ext cx="3727798" cy="1184300"/>
+          </a:xfrm>
+          <a:prstGeom prst="rect">
+            <a:avLst/>
+          </a:prstGeom>
+        </p:spPr>
+      </p:pic>
     </p:spTree>
     <p:extLst>
       <p:ext uri="{BB962C8B-B14F-4D97-AF65-F5344CB8AC3E}">
@@ -5214,9 +5261,19 @@
             </a:r>
           </a:p>
           <a:p>
-            <a:r>
-              <a:rPr lang="en-US" dirty="0" smtClean="0"/>
-              <a:t>Sensitivity lowest signal that meets the receiver’s criteria</a:t>
+            <a:endParaRPr lang="en-US" dirty="0" smtClean="0"/>
+          </a:p>
+          <a:p>
+            <a:endParaRPr lang="en-US" dirty="0"/>
+          </a:p>
+          <a:p>
+            <a:r>
+              <a:rPr lang="en-US" dirty="0" smtClean="0"/>
+              <a:t>Sensitivity </a:t>
+            </a:r>
+            <a:r>
+              <a:rPr lang="en-US" dirty="0" smtClean="0"/>
+              <a:t>lowest signal that meets the receiver’s criteria</a:t>
             </a:r>
           </a:p>
           <a:p>
@@ -5240,6 +5297,36 @@
           </a:p>
         </p:txBody>
       </p:sp>
+      <p:pic>
+        <p:nvPicPr>
+          <p:cNvPr id="4" name="Picture 3"/>
+          <p:cNvPicPr>
+            <a:picLocks noChangeAspect="1"/>
+          </p:cNvPicPr>
+          <p:nvPr/>
+        </p:nvPicPr>
+        <p:blipFill>
+          <a:blip r:embed="rId2">
+            <a:extLst>
+              <a:ext uri="{28A0092B-C50C-407E-A947-70E740481C1C}">
+                <a14:useLocalDpi xmlns:a14="http://schemas.microsoft.com/office/drawing/2010/main" val="0"/>
+              </a:ext>
+            </a:extLst>
+          </a:blip>
+          <a:stretch>
+            <a:fillRect/>
+          </a:stretch>
+        </p:blipFill>
+        <p:spPr>
+          <a:xfrm>
+            <a:off x="827584" y="1988840"/>
+            <a:ext cx="2210108" cy="523948"/>
+          </a:xfrm>
+          <a:prstGeom prst="rect">
+            <a:avLst/>
+          </a:prstGeom>
+        </p:spPr>
+      </p:pic>
     </p:spTree>
     <p:extLst>
       <p:ext uri="{BB962C8B-B14F-4D97-AF65-F5344CB8AC3E}">
@@ -5354,9 +5441,31 @@
             </a:r>
           </a:p>
           <a:p>
-            <a:r>
-              <a:rPr lang="en-US" dirty="0" smtClean="0"/>
-              <a:t>For 90% confidence level and </a:t>
+            <a:endParaRPr lang="en-US" dirty="0" smtClean="0"/>
+          </a:p>
+          <a:p>
+            <a:endParaRPr lang="en-US" dirty="0"/>
+          </a:p>
+          <a:p>
+            <a:endParaRPr lang="en-US" dirty="0" smtClean="0"/>
+          </a:p>
+          <a:p>
+            <a:endParaRPr lang="en-US" dirty="0"/>
+          </a:p>
+          <a:p>
+            <a:endParaRPr lang="en-US" dirty="0" smtClean="0"/>
+          </a:p>
+          <a:p>
+            <a:endParaRPr lang="en-US" dirty="0"/>
+          </a:p>
+          <a:p>
+            <a:r>
+              <a:rPr lang="en-US" dirty="0" smtClean="0"/>
+              <a:t>For </a:t>
+            </a:r>
+            <a:r>
+              <a:rPr lang="en-US" dirty="0" smtClean="0"/>
+              <a:t>90% confidence level and </a:t>
             </a:r>
             <a:r>
               <a:rPr lang="el-GR" dirty="0"/>
@@ -5370,6 +5479,36 @@
           </a:p>
         </p:txBody>
       </p:sp>
+      <p:pic>
+        <p:nvPicPr>
+          <p:cNvPr id="4" name="Picture 3"/>
+          <p:cNvPicPr>
+            <a:picLocks noChangeAspect="1"/>
+          </p:cNvPicPr>
+          <p:nvPr/>
+        </p:nvPicPr>
+        <p:blipFill>
+          <a:blip r:embed="rId2">
+            <a:extLst>
+              <a:ext uri="{28A0092B-C50C-407E-A947-70E740481C1C}">
+                <a14:useLocalDpi xmlns:a14="http://schemas.microsoft.com/office/drawing/2010/main" val="0"/>
+              </a:ext>
+            </a:extLst>
+          </a:blip>
+          <a:stretch>
+            <a:fillRect/>
+          </a:stretch>
+        </p:blipFill>
+        <p:spPr>
+          <a:xfrm>
+            <a:off x="755577" y="3212976"/>
+            <a:ext cx="2751801" cy="2016224"/>
+          </a:xfrm>
+          <a:prstGeom prst="rect">
+            <a:avLst/>
+          </a:prstGeom>
+        </p:spPr>
+      </p:pic>
     </p:spTree>
     <p:extLst>
       <p:ext uri="{BB962C8B-B14F-4D97-AF65-F5344CB8AC3E}">
@@ -5442,16 +5581,81 @@
           <a:bodyPr/>
           <a:lstStyle/>
           <a:p>
-            <a:r>
-              <a:rPr lang="en-US" dirty="0" smtClean="0"/>
-              <a:t>(insert picture of designed room)</a:t>
-            </a:r>
-          </a:p>
-          <a:p>
-            <a:endParaRPr lang="el-GR" dirty="0"/>
-          </a:p>
-        </p:txBody>
-      </p:sp>
+            <a:endParaRPr lang="en-US" dirty="0" smtClean="0"/>
+          </a:p>
+          <a:p>
+            <a:endParaRPr lang="en-US" dirty="0"/>
+          </a:p>
+          <a:p>
+            <a:endParaRPr lang="en-US" dirty="0" smtClean="0"/>
+          </a:p>
+          <a:p>
+            <a:endParaRPr lang="en-US" dirty="0"/>
+          </a:p>
+          <a:p>
+            <a:endParaRPr lang="en-US" dirty="0" smtClean="0"/>
+          </a:p>
+          <a:p>
+            <a:endParaRPr lang="en-US" dirty="0"/>
+          </a:p>
+          <a:p>
+            <a:endParaRPr lang="en-US" dirty="0" smtClean="0"/>
+          </a:p>
+          <a:p>
+            <a:endParaRPr lang="en-US" dirty="0"/>
+          </a:p>
+          <a:p>
+            <a:endParaRPr lang="en-US" dirty="0" smtClean="0"/>
+          </a:p>
+          <a:p>
+            <a:r>
+              <a:rPr lang="en-US" dirty="0" smtClean="0"/>
+              <a:t>The measurements were contacted in the blue shaded space</a:t>
+            </a:r>
+            <a:r>
+              <a:rPr lang="en-US" dirty="0"/>
+              <a:t/>
+            </a:r>
+            <a:br>
+              <a:rPr lang="en-US" dirty="0"/>
+            </a:br>
+            <a:r>
+              <a:rPr lang="en-US" dirty="0" smtClean="0"/>
+              <a:t>while The antenna position is circled with red.</a:t>
+            </a:r>
+          </a:p>
+        </p:txBody>
+      </p:sp>
+      <p:pic>
+        <p:nvPicPr>
+          <p:cNvPr id="5" name="Picture 4"/>
+          <p:cNvPicPr>
+            <a:picLocks noChangeAspect="1"/>
+          </p:cNvPicPr>
+          <p:nvPr/>
+        </p:nvPicPr>
+        <p:blipFill>
+          <a:blip r:embed="rId2">
+            <a:extLst>
+              <a:ext uri="{28A0092B-C50C-407E-A947-70E740481C1C}">
+                <a14:useLocalDpi xmlns:a14="http://schemas.microsoft.com/office/drawing/2010/main" val="0"/>
+              </a:ext>
+            </a:extLst>
+          </a:blip>
+          <a:stretch>
+            <a:fillRect/>
+          </a:stretch>
+        </p:blipFill>
+        <p:spPr>
+          <a:xfrm>
+            <a:off x="755576" y="1484784"/>
+            <a:ext cx="3190639" cy="3030514"/>
+          </a:xfrm>
+          <a:prstGeom prst="rect">
+            <a:avLst/>
+          </a:prstGeom>
+        </p:spPr>
+      </p:pic>
     </p:spTree>
     <p:extLst>
       <p:ext uri="{BB962C8B-B14F-4D97-AF65-F5344CB8AC3E}">

--- a/ppt/premature ppt.pptx
+++ b/ppt/premature ppt.pptx
@@ -34,9 +34,9 @@
     <p:sldId id="279" r:id="rId25"/>
     <p:sldId id="280" r:id="rId26"/>
     <p:sldId id="281" r:id="rId27"/>
-    <p:sldId id="282" r:id="rId28"/>
-    <p:sldId id="283" r:id="rId29"/>
-    <p:sldId id="284" r:id="rId30"/>
+    <p:sldId id="285" r:id="rId28"/>
+    <p:sldId id="286" r:id="rId29"/>
+    <p:sldId id="287" r:id="rId30"/>
   </p:sldIdLst>
   <p:sldSz cx="9144000" cy="6858000" type="screen4x3"/>
   <p:notesSz cx="6858000" cy="9144000"/>
@@ -137,7 +137,7 @@
   </p:defaultTextStyle>
   <p:extLst>
     <p:ext uri="{EFAFB233-063F-42B5-8137-9DF3F51BA10A}">
-      <p15:sldGuideLst xmlns:p15="http://schemas.microsoft.com/office/powerpoint/2012/main" xmlns="">
+      <p15:sldGuideLst xmlns:p15="http://schemas.microsoft.com/office/powerpoint/2012/main">
         <p15:guide id="1" orient="horz" pos="2160">
           <p15:clr>
             <a:srgbClr val="A4A3A4"/>
@@ -395,7 +395,7 @@
           <a:p>
             <a:fld id="{A5874EA0-E96F-4A9F-BECE-F82ED93FDC31}" type="slidenum">
               <a:rPr lang="da-DK" smtClean="0"/>
-              <a:t>‹#›</a:t>
+              <a:t>‹nr.›</a:t>
             </a:fld>
             <a:endParaRPr lang="da-DK"/>
           </a:p>
@@ -691,7 +691,7 @@
           <a:p>
             <a:fld id="{409B8A6B-2702-4E09-BF63-7CC1F22DFC4D}" type="slidenum">
               <a:rPr lang="da-DK" smtClean="0"/>
-              <a:t>‹#›</a:t>
+              <a:t>‹nr.›</a:t>
             </a:fld>
             <a:endParaRPr lang="da-DK"/>
           </a:p>
@@ -1143,7 +1143,7 @@
           <a:p>
             <a:fld id="{409B8A6B-2702-4E09-BF63-7CC1F22DFC4D}" type="slidenum">
               <a:rPr lang="da-DK" smtClean="0"/>
-              <a:t>‹#›</a:t>
+              <a:t>‹nr.›</a:t>
             </a:fld>
             <a:endParaRPr lang="da-DK"/>
           </a:p>
@@ -1318,7 +1318,7 @@
           <a:p>
             <a:fld id="{409B8A6B-2702-4E09-BF63-7CC1F22DFC4D}" type="slidenum">
               <a:rPr lang="da-DK" smtClean="0"/>
-              <a:t>‹#›</a:t>
+              <a:t>‹nr.›</a:t>
             </a:fld>
             <a:endParaRPr lang="da-DK"/>
           </a:p>
@@ -1585,7 +1585,7 @@
           <a:p>
             <a:fld id="{409B8A6B-2702-4E09-BF63-7CC1F22DFC4D}" type="slidenum">
               <a:rPr lang="da-DK" smtClean="0"/>
-              <a:t>‹#›</a:t>
+              <a:t>‹nr.›</a:t>
             </a:fld>
             <a:endParaRPr lang="da-DK"/>
           </a:p>
@@ -1801,7 +1801,7 @@
           <a:p>
             <a:fld id="{409B8A6B-2702-4E09-BF63-7CC1F22DFC4D}" type="slidenum">
               <a:rPr lang="da-DK" smtClean="0"/>
-              <a:t>‹#›</a:t>
+              <a:t>‹nr.›</a:t>
             </a:fld>
             <a:endParaRPr lang="da-DK"/>
           </a:p>
@@ -1917,7 +1917,7 @@
           <a:p>
             <a:fld id="{409B8A6B-2702-4E09-BF63-7CC1F22DFC4D}" type="slidenum">
               <a:rPr lang="da-DK" smtClean="0"/>
-              <a:t>‹#›</a:t>
+              <a:t>‹nr.›</a:t>
             </a:fld>
             <a:endParaRPr lang="da-DK"/>
           </a:p>
@@ -2177,7 +2177,7 @@
             <a:fld id="{409B8A6B-2702-4E09-BF63-7CC1F22DFC4D}" type="slidenum">
               <a:rPr lang="da-DK" smtClean="0"/>
               <a:pPr/>
-              <a:t>‹#›</a:t>
+              <a:t>‹nr.›</a:t>
             </a:fld>
             <a:endParaRPr lang="da-DK" dirty="0"/>
           </a:p>
@@ -2515,7 +2515,7 @@
           <a:p>
             <a:fld id="{409B8A6B-2702-4E09-BF63-7CC1F22DFC4D}" type="slidenum">
               <a:rPr lang="da-DK" smtClean="0"/>
-              <a:t>‹#›</a:t>
+              <a:t>‹nr.›</a:t>
             </a:fld>
             <a:endParaRPr lang="da-DK"/>
           </a:p>
@@ -2636,7 +2636,7 @@
           <a:p>
             <a:fld id="{409B8A6B-2702-4E09-BF63-7CC1F22DFC4D}" type="slidenum">
               <a:rPr lang="da-DK" smtClean="0"/>
-              <a:t>‹#›</a:t>
+              <a:t>‹nr.›</a:t>
             </a:fld>
             <a:endParaRPr lang="da-DK"/>
           </a:p>
@@ -3091,7 +3091,7 @@
           <a:p>
             <a:fld id="{409B8A6B-2702-4E09-BF63-7CC1F22DFC4D}" type="slidenum">
               <a:rPr lang="da-DK" smtClean="0"/>
-              <a:t>‹#›</a:t>
+              <a:t>‹nr.›</a:t>
             </a:fld>
             <a:endParaRPr lang="da-DK"/>
           </a:p>
@@ -3468,7 +3468,7 @@
           <a:p>
             <a:fld id="{409B8A6B-2702-4E09-BF63-7CC1F22DFC4D}" type="slidenum">
               <a:rPr lang="da-DK" smtClean="0"/>
-              <a:t>‹#›</a:t>
+              <a:t>‹nr.›</a:t>
             </a:fld>
             <a:endParaRPr lang="da-DK"/>
           </a:p>
@@ -3554,7 +3554,7 @@
           <a:p>
             <a:fld id="{409B8A6B-2702-4E09-BF63-7CC1F22DFC4D}" type="slidenum">
               <a:rPr lang="da-DK" smtClean="0"/>
-              <a:t>‹#›</a:t>
+              <a:t>‹nr.›</a:t>
             </a:fld>
             <a:endParaRPr lang="da-DK"/>
           </a:p>
@@ -3758,7 +3758,7 @@
           <a:p>
             <a:fld id="{409B8A6B-2702-4E09-BF63-7CC1F22DFC4D}" type="slidenum">
               <a:rPr lang="da-DK" smtClean="0"/>
-              <a:t>‹#›</a:t>
+              <a:t>‹nr.›</a:t>
             </a:fld>
             <a:endParaRPr lang="da-DK"/>
           </a:p>
@@ -4109,7 +4109,7 @@
             <a:fld id="{409B8A6B-2702-4E09-BF63-7CC1F22DFC4D}" type="slidenum">
               <a:rPr lang="da-DK" smtClean="0"/>
               <a:pPr/>
-              <a:t>‹#›</a:t>
+              <a:t>‹nr.›</a:t>
             </a:fld>
             <a:endParaRPr lang="da-DK" dirty="0"/>
           </a:p>
@@ -5094,11 +5094,7 @@
           <a:p>
             <a:r>
               <a:rPr lang="en-US" dirty="0" smtClean="0"/>
-              <a:t>Receiver </a:t>
-            </a:r>
-            <a:r>
-              <a:rPr lang="en-US" dirty="0" smtClean="0"/>
-              <a:t>is influenced by :</a:t>
+              <a:t>Receiver is influenced by :</a:t>
             </a:r>
           </a:p>
           <a:p>
@@ -5136,14 +5132,12 @@
               <a:rPr lang="en-US" dirty="0" smtClean="0"/>
               <a:t>Noise is the dominant factor.</a:t>
             </a:r>
-            <a:endParaRPr lang="en-US" dirty="0" smtClean="0"/>
           </a:p>
           <a:p>
             <a:r>
               <a:rPr lang="en-US" dirty="0" smtClean="0"/>
               <a:t>Calibration for distortion</a:t>
             </a:r>
-            <a:endParaRPr lang="en-US" dirty="0" smtClean="0"/>
           </a:p>
           <a:p>
             <a:endParaRPr lang="en-US" dirty="0"/>
@@ -5269,11 +5263,7 @@
           <a:p>
             <a:r>
               <a:rPr lang="en-US" dirty="0" smtClean="0"/>
-              <a:t>Sensitivity </a:t>
-            </a:r>
-            <a:r>
-              <a:rPr lang="en-US" dirty="0" smtClean="0"/>
-              <a:t>lowest signal that meets the receiver’s criteria</a:t>
+              <a:t>Sensitivity lowest signal that meets the receiver’s criteria</a:t>
             </a:r>
           </a:p>
           <a:p>
@@ -5461,11 +5451,7 @@
           <a:p>
             <a:r>
               <a:rPr lang="en-US" dirty="0" smtClean="0"/>
-              <a:t>For </a:t>
-            </a:r>
-            <a:r>
-              <a:rPr lang="en-US" dirty="0" smtClean="0"/>
-              <a:t>90% confidence level and </a:t>
+              <a:t>For 90% confidence level and </a:t>
             </a:r>
             <a:r>
               <a:rPr lang="el-GR" dirty="0"/>
@@ -7117,10 +7103,58 @@
           </a:p>
         </p:txBody>
       </p:sp>
+      <p:pic>
+        <p:nvPicPr>
+          <p:cNvPr id="6" name="Billede 5"/>
+          <p:cNvPicPr>
+            <a:picLocks noChangeAspect="1"/>
+          </p:cNvPicPr>
+          <p:nvPr/>
+        </p:nvPicPr>
+        <p:blipFill>
+          <a:blip r:embed="rId2"/>
+          <a:stretch>
+            <a:fillRect/>
+          </a:stretch>
+        </p:blipFill>
+        <p:spPr>
+          <a:xfrm>
+            <a:off x="3674772" y="1920479"/>
+            <a:ext cx="1607344" cy="2264569"/>
+          </a:xfrm>
+          <a:prstGeom prst="rect">
+            <a:avLst/>
+          </a:prstGeom>
+        </p:spPr>
+      </p:pic>
+      <p:pic>
+        <p:nvPicPr>
+          <p:cNvPr id="7" name="Billede 6"/>
+          <p:cNvPicPr>
+            <a:picLocks noChangeAspect="1"/>
+          </p:cNvPicPr>
+          <p:nvPr/>
+        </p:nvPicPr>
+        <p:blipFill>
+          <a:blip r:embed="rId3"/>
+          <a:stretch>
+            <a:fillRect/>
+          </a:stretch>
+        </p:blipFill>
+        <p:spPr>
+          <a:xfrm>
+            <a:off x="5668153" y="2057402"/>
+            <a:ext cx="2806395" cy="1680526"/>
+          </a:xfrm>
+          <a:prstGeom prst="rect">
+            <a:avLst/>
+          </a:prstGeom>
+        </p:spPr>
+      </p:pic>
     </p:spTree>
     <p:extLst>
       <p:ext uri="{BB962C8B-B14F-4D97-AF65-F5344CB8AC3E}">
-        <p14:creationId xmlns:p14="http://schemas.microsoft.com/office/powerpoint/2010/main" val="3023105269"/>
+        <p14:creationId xmlns:p14="http://schemas.microsoft.com/office/powerpoint/2010/main" val="3125732701"/>
       </p:ext>
     </p:extLst>
   </p:cSld>
@@ -7167,8 +7201,12 @@
           <a:p>
             <a:pPr algn="ctr"/>
             <a:r>
+              <a:rPr lang="da-DK" dirty="0" err="1" smtClean="0"/>
+              <a:t>Further</a:t>
+            </a:r>
+            <a:r>
               <a:rPr lang="da-DK" dirty="0" smtClean="0"/>
-              <a:t>Prospekts</a:t>
+              <a:t> Work</a:t>
             </a:r>
             <a:endParaRPr lang="da-DK" dirty="0"/>
           </a:p>
@@ -7271,10 +7309,64 @@
           </a:p>
         </p:txBody>
       </p:sp>
+      <p:pic>
+        <p:nvPicPr>
+          <p:cNvPr id="4" name="Billede 3"/>
+          <p:cNvPicPr>
+            <a:picLocks noChangeAspect="1"/>
+          </p:cNvPicPr>
+          <p:nvPr/>
+        </p:nvPicPr>
+        <p:blipFill>
+          <a:blip r:embed="rId2"/>
+          <a:stretch>
+            <a:fillRect/>
+          </a:stretch>
+        </p:blipFill>
+        <p:spPr>
+          <a:xfrm>
+            <a:off x="860223" y="3349869"/>
+            <a:ext cx="3300737" cy="2194345"/>
+          </a:xfrm>
+          <a:prstGeom prst="rect">
+            <a:avLst/>
+          </a:prstGeom>
+        </p:spPr>
+      </p:pic>
+      <p:pic>
+        <p:nvPicPr>
+          <p:cNvPr id="5" name="Pladsholder til indhold 3"/>
+          <p:cNvPicPr>
+            <a:picLocks noChangeAspect="1"/>
+          </p:cNvPicPr>
+          <p:nvPr/>
+        </p:nvPicPr>
+        <p:blipFill>
+          <a:blip r:embed="rId3" cstate="print">
+            <a:extLst>
+              <a:ext uri="{28A0092B-C50C-407E-A947-70E740481C1C}">
+                <a14:useLocalDpi xmlns:a14="http://schemas.microsoft.com/office/drawing/2010/main" val="0"/>
+              </a:ext>
+            </a:extLst>
+          </a:blip>
+          <a:stretch>
+            <a:fillRect/>
+          </a:stretch>
+        </p:blipFill>
+        <p:spPr>
+          <a:xfrm>
+            <a:off x="4720646" y="2810498"/>
+            <a:ext cx="4043086" cy="2805775"/>
+          </a:xfrm>
+          <a:prstGeom prst="rect">
+            <a:avLst/>
+          </a:prstGeom>
+        </p:spPr>
+      </p:pic>
     </p:spTree>
     <p:extLst>
       <p:ext uri="{BB962C8B-B14F-4D97-AF65-F5344CB8AC3E}">
-        <p14:creationId xmlns:p14="http://schemas.microsoft.com/office/powerpoint/2010/main" val="46412808"/>
+        <p14:creationId xmlns:p14="http://schemas.microsoft.com/office/powerpoint/2010/main" val="2258116790"/>
       </p:ext>
     </p:extLst>
   </p:cSld>
@@ -7338,19 +7430,293 @@
             <p:ph idx="1"/>
           </p:nvPr>
         </p:nvSpPr>
-        <p:spPr/>
-        <p:txBody>
-          <a:bodyPr/>
-          <a:lstStyle/>
-          <a:p>
-            <a:endParaRPr lang="da-DK" dirty="0"/>
+        <p:spPr>
+          <a:xfrm>
+            <a:off x="1570005" y="2497348"/>
+            <a:ext cx="2738887" cy="3207803"/>
+          </a:xfrm>
+        </p:spPr>
+        <p:txBody>
+          <a:bodyPr>
+            <a:normAutofit/>
+          </a:bodyPr>
+          <a:lstStyle/>
+          <a:p>
+            <a:r>
+              <a:rPr lang="en-US" dirty="0" smtClean="0"/>
+              <a:t>Introduction</a:t>
+            </a:r>
+          </a:p>
+          <a:p>
+            <a:r>
+              <a:rPr lang="en-US" dirty="0" smtClean="0"/>
+              <a:t>Statistical Aspect</a:t>
+            </a:r>
+          </a:p>
+          <a:p>
+            <a:r>
+              <a:rPr lang="en-US" dirty="0" smtClean="0"/>
+              <a:t>Wireless Channel</a:t>
+            </a:r>
+          </a:p>
+          <a:p>
+            <a:r>
+              <a:rPr lang="en-US" dirty="0" smtClean="0"/>
+              <a:t>WSSUS</a:t>
+            </a:r>
+          </a:p>
+          <a:p>
+            <a:r>
+              <a:rPr lang="en-US" dirty="0" smtClean="0"/>
+              <a:t>Receiver Structure</a:t>
+            </a:r>
+          </a:p>
+          <a:p>
+            <a:r>
+              <a:rPr lang="en-US" dirty="0" smtClean="0"/>
+              <a:t>Dynamic Range</a:t>
+            </a:r>
+          </a:p>
+          <a:p>
+            <a:endParaRPr lang="en-US" dirty="0" smtClean="0"/>
+          </a:p>
+        </p:txBody>
+      </p:sp>
+      <p:sp>
+        <p:nvSpPr>
+          <p:cNvPr id="4" name="Pladsholder til indhold 2"/>
+          <p:cNvSpPr txBox="1">
+            <a:spLocks/>
+          </p:cNvSpPr>
+          <p:nvPr/>
+        </p:nvSpPr>
+        <p:spPr>
+          <a:xfrm>
+            <a:off x="5158593" y="2511367"/>
+            <a:ext cx="2941799" cy="3207803"/>
+          </a:xfrm>
+          <a:prstGeom prst="rect">
+            <a:avLst/>
+          </a:prstGeom>
+        </p:spPr>
+        <p:txBody>
+          <a:bodyPr vert="horz" lIns="68580" tIns="34290" rIns="68580" bIns="34290" rtlCol="0">
+            <a:normAutofit/>
+          </a:bodyPr>
+          <a:lstStyle>
+            <a:lvl1pPr marL="228600" indent="-228600" algn="l" defTabSz="914400" rtl="0" eaLnBrk="1" latinLnBrk="0" hangingPunct="1">
+              <a:lnSpc>
+                <a:spcPct val="90000"/>
+              </a:lnSpc>
+              <a:spcBef>
+                <a:spcPts val="1000"/>
+              </a:spcBef>
+              <a:buFont typeface="Arial" panose="020B0604020202020204" pitchFamily="34" charset="0"/>
+              <a:buChar char="•"/>
+              <a:defRPr sz="2800" kern="1200">
+                <a:solidFill>
+                  <a:schemeClr val="tx1"/>
+                </a:solidFill>
+                <a:latin typeface="+mn-lt"/>
+                <a:ea typeface="+mn-ea"/>
+                <a:cs typeface="+mn-cs"/>
+              </a:defRPr>
+            </a:lvl1pPr>
+            <a:lvl2pPr marL="685800" indent="-228600" algn="l" defTabSz="914400" rtl="0" eaLnBrk="1" latinLnBrk="0" hangingPunct="1">
+              <a:lnSpc>
+                <a:spcPct val="90000"/>
+              </a:lnSpc>
+              <a:spcBef>
+                <a:spcPts val="500"/>
+              </a:spcBef>
+              <a:buFont typeface="Arial" panose="020B0604020202020204" pitchFamily="34" charset="0"/>
+              <a:buChar char="•"/>
+              <a:defRPr sz="2400" kern="1200">
+                <a:solidFill>
+                  <a:schemeClr val="tx1"/>
+                </a:solidFill>
+                <a:latin typeface="+mn-lt"/>
+                <a:ea typeface="+mn-ea"/>
+                <a:cs typeface="+mn-cs"/>
+              </a:defRPr>
+            </a:lvl2pPr>
+            <a:lvl3pPr marL="1143000" indent="-228600" algn="l" defTabSz="914400" rtl="0" eaLnBrk="1" latinLnBrk="0" hangingPunct="1">
+              <a:lnSpc>
+                <a:spcPct val="90000"/>
+              </a:lnSpc>
+              <a:spcBef>
+                <a:spcPts val="500"/>
+              </a:spcBef>
+              <a:buFont typeface="Arial" panose="020B0604020202020204" pitchFamily="34" charset="0"/>
+              <a:buChar char="•"/>
+              <a:defRPr sz="2000" kern="1200">
+                <a:solidFill>
+                  <a:schemeClr val="tx1"/>
+                </a:solidFill>
+                <a:latin typeface="+mn-lt"/>
+                <a:ea typeface="+mn-ea"/>
+                <a:cs typeface="+mn-cs"/>
+              </a:defRPr>
+            </a:lvl3pPr>
+            <a:lvl4pPr marL="1600200" indent="-228600" algn="l" defTabSz="914400" rtl="0" eaLnBrk="1" latinLnBrk="0" hangingPunct="1">
+              <a:lnSpc>
+                <a:spcPct val="90000"/>
+              </a:lnSpc>
+              <a:spcBef>
+                <a:spcPts val="500"/>
+              </a:spcBef>
+              <a:buFont typeface="Arial" panose="020B0604020202020204" pitchFamily="34" charset="0"/>
+              <a:buChar char="•"/>
+              <a:defRPr sz="1800" kern="1200">
+                <a:solidFill>
+                  <a:schemeClr val="tx1"/>
+                </a:solidFill>
+                <a:latin typeface="+mn-lt"/>
+                <a:ea typeface="+mn-ea"/>
+                <a:cs typeface="+mn-cs"/>
+              </a:defRPr>
+            </a:lvl4pPr>
+            <a:lvl5pPr marL="2057400" indent="-228600" algn="l" defTabSz="914400" rtl="0" eaLnBrk="1" latinLnBrk="0" hangingPunct="1">
+              <a:lnSpc>
+                <a:spcPct val="90000"/>
+              </a:lnSpc>
+              <a:spcBef>
+                <a:spcPts val="500"/>
+              </a:spcBef>
+              <a:buFont typeface="Arial" panose="020B0604020202020204" pitchFamily="34" charset="0"/>
+              <a:buChar char="•"/>
+              <a:defRPr sz="1800" kern="1200">
+                <a:solidFill>
+                  <a:schemeClr val="tx1"/>
+                </a:solidFill>
+                <a:latin typeface="+mn-lt"/>
+                <a:ea typeface="+mn-ea"/>
+                <a:cs typeface="+mn-cs"/>
+              </a:defRPr>
+            </a:lvl5pPr>
+            <a:lvl6pPr marL="2514600" indent="-228600" algn="l" defTabSz="914400" rtl="0" eaLnBrk="1" latinLnBrk="0" hangingPunct="1">
+              <a:lnSpc>
+                <a:spcPct val="90000"/>
+              </a:lnSpc>
+              <a:spcBef>
+                <a:spcPts val="500"/>
+              </a:spcBef>
+              <a:buFont typeface="Arial" panose="020B0604020202020204" pitchFamily="34" charset="0"/>
+              <a:buChar char="•"/>
+              <a:defRPr sz="1800" kern="1200">
+                <a:solidFill>
+                  <a:schemeClr val="tx1"/>
+                </a:solidFill>
+                <a:latin typeface="+mn-lt"/>
+                <a:ea typeface="+mn-ea"/>
+                <a:cs typeface="+mn-cs"/>
+              </a:defRPr>
+            </a:lvl6pPr>
+            <a:lvl7pPr marL="2971800" indent="-228600" algn="l" defTabSz="914400" rtl="0" eaLnBrk="1" latinLnBrk="0" hangingPunct="1">
+              <a:lnSpc>
+                <a:spcPct val="90000"/>
+              </a:lnSpc>
+              <a:spcBef>
+                <a:spcPts val="500"/>
+              </a:spcBef>
+              <a:buFont typeface="Arial" panose="020B0604020202020204" pitchFamily="34" charset="0"/>
+              <a:buChar char="•"/>
+              <a:defRPr sz="1800" kern="1200">
+                <a:solidFill>
+                  <a:schemeClr val="tx1"/>
+                </a:solidFill>
+                <a:latin typeface="+mn-lt"/>
+                <a:ea typeface="+mn-ea"/>
+                <a:cs typeface="+mn-cs"/>
+              </a:defRPr>
+            </a:lvl7pPr>
+            <a:lvl8pPr marL="3429000" indent="-228600" algn="l" defTabSz="914400" rtl="0" eaLnBrk="1" latinLnBrk="0" hangingPunct="1">
+              <a:lnSpc>
+                <a:spcPct val="90000"/>
+              </a:lnSpc>
+              <a:spcBef>
+                <a:spcPts val="500"/>
+              </a:spcBef>
+              <a:buFont typeface="Arial" panose="020B0604020202020204" pitchFamily="34" charset="0"/>
+              <a:buChar char="•"/>
+              <a:defRPr sz="1800" kern="1200">
+                <a:solidFill>
+                  <a:schemeClr val="tx1"/>
+                </a:solidFill>
+                <a:latin typeface="+mn-lt"/>
+                <a:ea typeface="+mn-ea"/>
+                <a:cs typeface="+mn-cs"/>
+              </a:defRPr>
+            </a:lvl8pPr>
+            <a:lvl9pPr marL="3886200" indent="-228600" algn="l" defTabSz="914400" rtl="0" eaLnBrk="1" latinLnBrk="0" hangingPunct="1">
+              <a:lnSpc>
+                <a:spcPct val="90000"/>
+              </a:lnSpc>
+              <a:spcBef>
+                <a:spcPts val="500"/>
+              </a:spcBef>
+              <a:buFont typeface="Arial" panose="020B0604020202020204" pitchFamily="34" charset="0"/>
+              <a:buChar char="•"/>
+              <a:defRPr sz="1800" kern="1200">
+                <a:solidFill>
+                  <a:schemeClr val="tx1"/>
+                </a:solidFill>
+                <a:latin typeface="+mn-lt"/>
+                <a:ea typeface="+mn-ea"/>
+                <a:cs typeface="+mn-cs"/>
+              </a:defRPr>
+            </a:lvl9pPr>
+          </a:lstStyle>
+          <a:p>
+            <a:r>
+              <a:rPr lang="en-US" sz="1800" dirty="0"/>
+              <a:t>Measurement Setup</a:t>
+            </a:r>
+          </a:p>
+          <a:p>
+            <a:r>
+              <a:rPr lang="en-US" sz="1800" dirty="0"/>
+              <a:t>Data Processing</a:t>
+            </a:r>
+          </a:p>
+          <a:p>
+            <a:r>
+              <a:rPr lang="en-US" sz="1800" dirty="0"/>
+              <a:t>Results</a:t>
+            </a:r>
+          </a:p>
+          <a:p>
+            <a:r>
+              <a:rPr lang="en-US" sz="1800" dirty="0"/>
+              <a:t>Diversity Combining</a:t>
+            </a:r>
+          </a:p>
+          <a:p>
+            <a:r>
+              <a:rPr lang="en-US" sz="1800" dirty="0"/>
+              <a:t>Uncertainties</a:t>
+            </a:r>
+          </a:p>
+          <a:p>
+            <a:r>
+              <a:rPr lang="da-DK" sz="1800" dirty="0" err="1"/>
+              <a:t>Further</a:t>
+            </a:r>
+            <a:r>
+              <a:rPr lang="da-DK" sz="1800" dirty="0"/>
+              <a:t> Work</a:t>
+            </a:r>
+            <a:endParaRPr lang="en-US" sz="1800" dirty="0"/>
+          </a:p>
+          <a:p>
+            <a:endParaRPr lang="en-US" sz="1800" dirty="0"/>
           </a:p>
         </p:txBody>
       </p:sp>
     </p:spTree>
     <p:extLst>
       <p:ext uri="{BB962C8B-B14F-4D97-AF65-F5344CB8AC3E}">
-        <p14:creationId xmlns:p14="http://schemas.microsoft.com/office/powerpoint/2010/main" val="2256358284"/>
+        <p14:creationId xmlns:p14="http://schemas.microsoft.com/office/powerpoint/2010/main" val="462121553"/>
       </p:ext>
     </p:extLst>
   </p:cSld>

--- a/ppt/premature ppt.pptx
+++ b/ppt/premature ppt.pptx
@@ -137,7 +137,7 @@
   </p:defaultTextStyle>
   <p:extLst>
     <p:ext uri="{EFAFB233-063F-42B5-8137-9DF3F51BA10A}">
-      <p15:sldGuideLst xmlns:p15="http://schemas.microsoft.com/office/powerpoint/2012/main" xmlns="">
+      <p15:sldGuideLst xmlns="" xmlns:p15="http://schemas.microsoft.com/office/powerpoint/2012/main">
         <p15:guide id="1" orient="horz" pos="2160">
           <p15:clr>
             <a:srgbClr val="A4A3A4"/>
@@ -236,7 +236,7 @@
           <a:p>
             <a:fld id="{27EAA7B7-9729-4998-A735-980F4A67C550}" type="datetimeFigureOut">
               <a:rPr lang="da-DK" smtClean="0"/>
-              <a:t>16-06-2017</a:t>
+              <a:t>17-06-2017</a:t>
             </a:fld>
             <a:endParaRPr lang="da-DK"/>
           </a:p>
@@ -668,7 +668,7 @@
           <a:p>
             <a:fld id="{9E7A4F2D-3E4C-4B5D-BE90-617E350CBCB0}" type="datetime1">
               <a:rPr lang="en-US" smtClean="0"/>
-              <a:t>6/16/2017</a:t>
+              <a:t>6/17/2017</a:t>
             </a:fld>
             <a:endParaRPr lang="da-DK"/>
           </a:p>
@@ -1120,7 +1120,7 @@
           <a:p>
             <a:fld id="{59811876-57C1-4E57-B3D5-811D4A7749BD}" type="datetime1">
               <a:rPr lang="en-US" smtClean="0"/>
-              <a:t>6/16/2017</a:t>
+              <a:t>6/17/2017</a:t>
             </a:fld>
             <a:endParaRPr lang="da-DK"/>
           </a:p>
@@ -1295,7 +1295,7 @@
           <a:p>
             <a:fld id="{A027A2E2-4A97-4510-BCDE-7B7FE2925400}" type="datetime1">
               <a:rPr lang="en-US" smtClean="0"/>
-              <a:t>6/16/2017</a:t>
+              <a:t>6/17/2017</a:t>
             </a:fld>
             <a:endParaRPr lang="da-DK"/>
           </a:p>
@@ -1562,7 +1562,7 @@
           <a:p>
             <a:fld id="{48E127FB-E98B-4846-B79F-E8A32E28DB0F}" type="datetime1">
               <a:rPr lang="en-US" smtClean="0"/>
-              <a:t>6/16/2017</a:t>
+              <a:t>6/17/2017</a:t>
             </a:fld>
             <a:endParaRPr lang="da-DK"/>
           </a:p>
@@ -1778,7 +1778,7 @@
           <a:p>
             <a:fld id="{04595749-9A07-4D32-9BA1-70B5CAE1178C}" type="datetime1">
               <a:rPr lang="en-US" smtClean="0"/>
-              <a:t>6/16/2017</a:t>
+              <a:t>6/17/2017</a:t>
             </a:fld>
             <a:endParaRPr lang="da-DK"/>
           </a:p>
@@ -1894,7 +1894,7 @@
           <a:p>
             <a:fld id="{2036BE53-6C39-4C63-9F8D-3493893D403B}" type="datetime1">
               <a:rPr lang="en-US" smtClean="0"/>
-              <a:t>6/16/2017</a:t>
+              <a:t>6/17/2017</a:t>
             </a:fld>
             <a:endParaRPr lang="da-DK"/>
           </a:p>
@@ -2153,7 +2153,7 @@
           <a:p>
             <a:fld id="{0775C8BB-F69C-41F0-97E2-212D172D3B53}" type="datetime1">
               <a:rPr lang="en-US" smtClean="0"/>
-              <a:t>6/16/2017</a:t>
+              <a:t>6/17/2017</a:t>
             </a:fld>
             <a:endParaRPr lang="da-DK" dirty="0"/>
           </a:p>
@@ -2492,7 +2492,7 @@
           <a:p>
             <a:fld id="{E70A62B0-E7E2-4CF5-913E-3C1EE37363B7}" type="datetime1">
               <a:rPr lang="en-US" smtClean="0"/>
-              <a:t>6/16/2017</a:t>
+              <a:t>6/17/2017</a:t>
             </a:fld>
             <a:endParaRPr lang="da-DK"/>
           </a:p>
@@ -2613,7 +2613,7 @@
           <a:p>
             <a:fld id="{8E2A3FD1-DFEE-478F-8764-EA4A12E6E420}" type="datetime1">
               <a:rPr lang="en-US" smtClean="0"/>
-              <a:t>6/16/2017</a:t>
+              <a:t>6/17/2017</a:t>
             </a:fld>
             <a:endParaRPr lang="da-DK"/>
           </a:p>
@@ -3068,7 +3068,7 @@
           <a:p>
             <a:fld id="{87613CBE-7DAD-4AD6-A447-AE25CEF4DF49}" type="datetime1">
               <a:rPr lang="en-US" smtClean="0"/>
-              <a:t>6/16/2017</a:t>
+              <a:t>6/17/2017</a:t>
             </a:fld>
             <a:endParaRPr lang="da-DK"/>
           </a:p>
@@ -3445,7 +3445,7 @@
           <a:p>
             <a:fld id="{D0C2A6F4-40AE-463F-85E5-665BB46F1CBB}" type="datetime1">
               <a:rPr lang="en-US" smtClean="0"/>
-              <a:t>6/16/2017</a:t>
+              <a:t>6/17/2017</a:t>
             </a:fld>
             <a:endParaRPr lang="da-DK"/>
           </a:p>
@@ -3531,7 +3531,7 @@
           <a:p>
             <a:fld id="{9D8E1AC8-7F67-46F6-B557-46F7F820EB38}" type="datetime1">
               <a:rPr lang="en-US" smtClean="0"/>
-              <a:t>6/16/2017</a:t>
+              <a:t>6/17/2017</a:t>
             </a:fld>
             <a:endParaRPr lang="da-DK"/>
           </a:p>
@@ -3735,7 +3735,7 @@
           <a:p>
             <a:fld id="{794A86D9-E5D1-499F-92A5-9D5B7169092D}" type="datetime1">
               <a:rPr lang="en-US" smtClean="0"/>
-              <a:t>6/16/2017</a:t>
+              <a:t>6/17/2017</a:t>
             </a:fld>
             <a:endParaRPr lang="da-DK"/>
           </a:p>
@@ -4069,7 +4069,7 @@
           <a:p>
             <a:fld id="{A355CBA8-7D2E-46F8-A8E5-BD7BACFEDE84}" type="datetime1">
               <a:rPr lang="en-US" smtClean="0"/>
-              <a:t>6/16/2017</a:t>
+              <a:t>6/17/2017</a:t>
             </a:fld>
             <a:endParaRPr lang="da-DK" dirty="0"/>
           </a:p>
@@ -4762,8 +4762,8 @@
         </p:blipFill>
         <p:spPr>
           <a:xfrm>
-            <a:off x="4139952" y="2420888"/>
-            <a:ext cx="3091013" cy="2370432"/>
+            <a:off x="4139952" y="2276872"/>
+            <a:ext cx="4032448" cy="3092398"/>
           </a:xfrm>
           <a:prstGeom prst="rect">
             <a:avLst/>
@@ -4813,6 +4813,13 @@
   <p:transition>
     <p:fade/>
   </p:transition>
+  <p:timing>
+    <p:tnLst>
+      <p:par>
+        <p:cTn id="1" dur="indefinite" restart="never" nodeType="tmRoot"/>
+      </p:par>
+    </p:tnLst>
+  </p:timing>
 </p:sld>
 </file>
 
@@ -4902,9 +4909,16 @@
             <a:endParaRPr lang="en-US" dirty="0"/>
           </a:p>
           <a:p>
-            <a:r>
-              <a:rPr lang="en-US" dirty="0" smtClean="0"/>
-              <a:t>Small environment more </a:t>
+            <a:endParaRPr lang="en-US" dirty="0" smtClean="0"/>
+          </a:p>
+          <a:p>
+            <a:r>
+              <a:rPr lang="en-US" dirty="0" smtClean="0"/>
+              <a:t>Small </a:t>
+            </a:r>
+            <a:r>
+              <a:rPr lang="en-US" dirty="0" smtClean="0"/>
+              <a:t>environment more </a:t>
             </a:r>
             <a:r>
               <a:rPr lang="el-GR" dirty="0" smtClean="0"/>
@@ -4989,8 +5003,8 @@
         </p:blipFill>
         <p:spPr>
           <a:xfrm>
-            <a:off x="899592" y="2258676"/>
-            <a:ext cx="2448272" cy="1849806"/>
+            <a:off x="755576" y="2220884"/>
+            <a:ext cx="3672408" cy="2394460"/>
           </a:xfrm>
           <a:prstGeom prst="rect">
             <a:avLst/>
@@ -5010,6 +5024,13 @@
   <p:transition>
     <p:fade/>
   </p:transition>
+  <p:timing>
+    <p:tnLst>
+      <p:par>
+        <p:cTn id="1" dur="indefinite" restart="never" nodeType="tmRoot"/>
+      </p:par>
+    </p:tnLst>
+  </p:timing>
 </p:sld>
 </file>
 
@@ -5094,11 +5115,7 @@
           <a:p>
             <a:r>
               <a:rPr lang="en-US" dirty="0" smtClean="0"/>
-              <a:t>Receiver </a:t>
-            </a:r>
-            <a:r>
-              <a:rPr lang="en-US" dirty="0" smtClean="0"/>
-              <a:t>is influenced by :</a:t>
+              <a:t>Receiver is influenced by :</a:t>
             </a:r>
           </a:p>
           <a:p>
@@ -5136,14 +5153,12 @@
               <a:rPr lang="en-US" dirty="0" smtClean="0"/>
               <a:t>Noise is the dominant factor.</a:t>
             </a:r>
-            <a:endParaRPr lang="en-US" dirty="0" smtClean="0"/>
           </a:p>
           <a:p>
             <a:r>
               <a:rPr lang="en-US" dirty="0" smtClean="0"/>
               <a:t>Calibration for distortion</a:t>
             </a:r>
-            <a:endParaRPr lang="en-US" dirty="0" smtClean="0"/>
           </a:p>
           <a:p>
             <a:endParaRPr lang="en-US" dirty="0"/>
@@ -5196,6 +5211,13 @@
   <p:transition>
     <p:fade/>
   </p:transition>
+  <p:timing>
+    <p:tnLst>
+      <p:par>
+        <p:cTn id="1" dur="indefinite" restart="never" nodeType="tmRoot"/>
+      </p:par>
+    </p:tnLst>
+  </p:timing>
 </p:sld>
 </file>
 
@@ -5269,11 +5291,7 @@
           <a:p>
             <a:r>
               <a:rPr lang="en-US" dirty="0" smtClean="0"/>
-              <a:t>Sensitivity </a:t>
-            </a:r>
-            <a:r>
-              <a:rPr lang="en-US" dirty="0" smtClean="0"/>
-              <a:t>lowest signal that meets the receiver’s criteria</a:t>
+              <a:t>Sensitivity lowest signal that meets the receiver’s criteria</a:t>
             </a:r>
           </a:p>
           <a:p>
@@ -5340,6 +5358,13 @@
   <p:transition>
     <p:fade/>
   </p:transition>
+  <p:timing>
+    <p:tnLst>
+      <p:par>
+        <p:cTn id="1" dur="indefinite" restart="never" nodeType="tmRoot"/>
+      </p:par>
+    </p:tnLst>
+  </p:timing>
 </p:sld>
 </file>
 
@@ -5461,11 +5486,7 @@
           <a:p>
             <a:r>
               <a:rPr lang="en-US" dirty="0" smtClean="0"/>
-              <a:t>For </a:t>
-            </a:r>
-            <a:r>
-              <a:rPr lang="en-US" dirty="0" smtClean="0"/>
-              <a:t>90% confidence level and </a:t>
+              <a:t>For 90% confidence level and </a:t>
             </a:r>
             <a:r>
               <a:rPr lang="el-GR" dirty="0"/>
@@ -5522,6 +5543,13 @@
   <p:transition>
     <p:fade/>
   </p:transition>
+  <p:timing>
+    <p:tnLst>
+      <p:par>
+        <p:cTn id="1" dur="indefinite" restart="never" nodeType="tmRoot"/>
+      </p:par>
+    </p:tnLst>
+  </p:timing>
 </p:sld>
 </file>
 
@@ -5669,6 +5697,13 @@
   <p:transition>
     <p:fade/>
   </p:transition>
+  <p:timing>
+    <p:tnLst>
+      <p:par>
+        <p:cTn id="1" dur="indefinite" restart="never" nodeType="tmRoot"/>
+      </p:par>
+    </p:tnLst>
+  </p:timing>
 </p:sld>
 </file>
 
@@ -5772,18 +5807,46 @@
           <a:p>
             <a:r>
               <a:rPr lang="en-US" dirty="0" smtClean="0"/>
-              <a:t>Directional TX antenna 12dBi Gain and fc 5GHz</a:t>
-            </a:r>
-          </a:p>
-          <a:p>
-            <a:r>
-              <a:rPr lang="en-US" dirty="0" smtClean="0"/>
-              <a:t>(insert figure 5.6)</a:t>
-            </a:r>
-            <a:endParaRPr lang="el-GR" dirty="0"/>
-          </a:p>
-        </p:txBody>
-      </p:sp>
+              <a:t>Directional TX antenna 12dBi Gain and fc </a:t>
+            </a:r>
+            <a:r>
+              <a:rPr lang="en-US" dirty="0" smtClean="0"/>
+              <a:t>5GHz</a:t>
+            </a:r>
+            <a:endParaRPr lang="en-US" dirty="0" smtClean="0"/>
+          </a:p>
+        </p:txBody>
+      </p:sp>
+      <p:pic>
+        <p:nvPicPr>
+          <p:cNvPr id="4" name="Picture 3"/>
+          <p:cNvPicPr>
+            <a:picLocks noChangeAspect="1"/>
+          </p:cNvPicPr>
+          <p:nvPr/>
+        </p:nvPicPr>
+        <p:blipFill>
+          <a:blip r:embed="rId2">
+            <a:extLst>
+              <a:ext uri="{28A0092B-C50C-407E-A947-70E740481C1C}">
+                <a14:useLocalDpi xmlns:a14="http://schemas.microsoft.com/office/drawing/2010/main" val="0"/>
+              </a:ext>
+            </a:extLst>
+          </a:blip>
+          <a:stretch>
+            <a:fillRect/>
+          </a:stretch>
+        </p:blipFill>
+        <p:spPr>
+          <a:xfrm>
+            <a:off x="643157" y="3562985"/>
+            <a:ext cx="3688881" cy="2386295"/>
+          </a:xfrm>
+          <a:prstGeom prst="rect">
+            <a:avLst/>
+          </a:prstGeom>
+        </p:spPr>
+      </p:pic>
     </p:spTree>
     <p:extLst>
       <p:ext uri="{BB962C8B-B14F-4D97-AF65-F5344CB8AC3E}">
@@ -5797,6 +5860,13 @@
   <p:transition>
     <p:fade/>
   </p:transition>
+  <p:timing>
+    <p:tnLst>
+      <p:par>
+        <p:cTn id="1" dur="indefinite" restart="never" nodeType="tmRoot"/>
+      </p:par>
+    </p:tnLst>
+  </p:timing>
 </p:sld>
 </file>
 
@@ -5938,6 +6008,13 @@
   <p:transition>
     <p:fade/>
   </p:transition>
+  <p:timing>
+    <p:tnLst>
+      <p:par>
+        <p:cTn id="1" dur="indefinite" restart="never" nodeType="tmRoot"/>
+      </p:par>
+    </p:tnLst>
+  </p:timing>
 </p:sld>
 </file>
 
@@ -7878,6 +7955,13 @@
   <p:transition>
     <p:fade/>
   </p:transition>
+  <p:timing>
+    <p:tnLst>
+      <p:par>
+        <p:cTn id="1" dur="indefinite" restart="never" nodeType="tmRoot"/>
+      </p:par>
+    </p:tnLst>
+  </p:timing>
 </p:sld>
 </file>
 
@@ -7977,6 +8061,13 @@
   <p:transition>
     <p:fade/>
   </p:transition>
+  <p:timing>
+    <p:tnLst>
+      <p:par>
+        <p:cTn id="1" dur="indefinite" restart="never" nodeType="tmRoot"/>
+      </p:par>
+    </p:tnLst>
+  </p:timing>
 </p:sld>
 </file>
 
@@ -8080,6 +8171,13 @@
   <p:transition>
     <p:fade/>
   </p:transition>
+  <p:timing>
+    <p:tnLst>
+      <p:par>
+        <p:cTn id="1" dur="indefinite" restart="never" nodeType="tmRoot"/>
+      </p:par>
+    </p:tnLst>
+  </p:timing>
 </p:sld>
 </file>
 
@@ -8232,6 +8330,13 @@
   <p:transition>
     <p:fade/>
   </p:transition>
+  <p:timing>
+    <p:tnLst>
+      <p:par>
+        <p:cTn id="1" dur="indefinite" restart="never" nodeType="tmRoot"/>
+      </p:par>
+    </p:tnLst>
+  </p:timing>
 </p:sld>
 </file>
 
